--- a/figs/soda-active-learning.pptx
+++ b/figs/soda-active-learning.pptx
@@ -122,17 +122,17 @@
   </mc:AlternateContent>
   <c:clrMapOvr bg1="lt1" tx1="dk1" bg2="lt2" tx2="dk2" accent1="accent1" accent2="accent2" accent3="accent3" accent4="accent4" accent5="accent5" accent6="accent6" hlink="hlink" folHlink="folHlink"/>
   <c:chart>
-    <c:autoTitleDeleted val="0"/>
+    <c:autoTitleDeleted val="1"/>
     <c:plotArea>
       <c:layout>
         <c:manualLayout>
           <c:layoutTarget val="inner"/>
           <c:xMode val="edge"/>
           <c:yMode val="edge"/>
-          <c:x val="0.221780675853018"/>
-          <c:y val="0.163888524351123"/>
-          <c:w val="0.694275481189851"/>
-          <c:h val="0.636358996792068"/>
+          <c:x val="0.175280785214348"/>
+          <c:y val="0.175925925925926"/>
+          <c:w val="0.682925415573053"/>
+          <c:h val="0.615740740740741"/>
         </c:manualLayout>
       </c:layout>
       <c:scatterChart>
@@ -140,16 +140,24 @@
         <c:varyColors val="0"/>
         <c:ser>
           <c:idx val="1"/>
-          <c:order val="1"/>
+          <c:order val="0"/>
           <c:tx>
-            <c:v>MinRemaining</c:v>
+            <c:strRef>
+              <c:f>'soda-90%'!$B$1</c:f>
+              <c:strCache>
+                <c:ptCount val="1"/>
+                <c:pt idx="0">
+                  <c:v>Random</c:v>
+                </c:pt>
+              </c:strCache>
+            </c:strRef>
           </c:tx>
           <c:spPr>
-            <a:ln w="12700" cmpd="sng">
+            <a:ln w="19050" cmpd="sng">
               <a:solidFill>
-                <a:schemeClr val="tx1"/>
+                <a:srgbClr val="FF0000"/>
               </a:solidFill>
-              <a:prstDash val="dash"/>
+              <a:prstDash val="sysDash"/>
             </a:ln>
           </c:spPr>
           <c:marker>
@@ -157,10 +165,10 @@
           </c:marker>
           <c:xVal>
             <c:numRef>
-              <c:f>'soda-70%'!$K$2:$K$56</c:f>
+              <c:f>'soda-90%'!$A$2:$A$178</c:f>
               <c:numCache>
                 <c:formatCode>General</c:formatCode>
-                <c:ptCount val="55"/>
+                <c:ptCount val="177"/>
                 <c:pt idx="0">
                   <c:v>0.0</c:v>
                 </c:pt>
@@ -277,16 +285,238 @@
                 </c:pt>
                 <c:pt idx="38">
                   <c:v>38.0</c:v>
+                </c:pt>
+                <c:pt idx="39">
+                  <c:v>39.0</c:v>
+                </c:pt>
+                <c:pt idx="40">
+                  <c:v>40.0</c:v>
+                </c:pt>
+                <c:pt idx="41">
+                  <c:v>41.0</c:v>
+                </c:pt>
+                <c:pt idx="42">
+                  <c:v>42.0</c:v>
+                </c:pt>
+                <c:pt idx="43">
+                  <c:v>43.0</c:v>
+                </c:pt>
+                <c:pt idx="44">
+                  <c:v>44.0</c:v>
+                </c:pt>
+                <c:pt idx="45">
+                  <c:v>45.0</c:v>
+                </c:pt>
+                <c:pt idx="46">
+                  <c:v>46.0</c:v>
+                </c:pt>
+                <c:pt idx="47">
+                  <c:v>47.0</c:v>
+                </c:pt>
+                <c:pt idx="48">
+                  <c:v>48.0</c:v>
+                </c:pt>
+                <c:pt idx="49">
+                  <c:v>49.0</c:v>
+                </c:pt>
+                <c:pt idx="50">
+                  <c:v>50.0</c:v>
+                </c:pt>
+                <c:pt idx="51">
+                  <c:v>51.0</c:v>
+                </c:pt>
+                <c:pt idx="52">
+                  <c:v>52.0</c:v>
+                </c:pt>
+                <c:pt idx="53">
+                  <c:v>53.0</c:v>
+                </c:pt>
+                <c:pt idx="54">
+                  <c:v>54.0</c:v>
+                </c:pt>
+                <c:pt idx="55">
+                  <c:v>55.0</c:v>
+                </c:pt>
+                <c:pt idx="56">
+                  <c:v>56.0</c:v>
+                </c:pt>
+                <c:pt idx="57">
+                  <c:v>57.0</c:v>
+                </c:pt>
+                <c:pt idx="58">
+                  <c:v>58.0</c:v>
+                </c:pt>
+                <c:pt idx="59">
+                  <c:v>59.0</c:v>
+                </c:pt>
+                <c:pt idx="60">
+                  <c:v>60.0</c:v>
+                </c:pt>
+                <c:pt idx="61">
+                  <c:v>61.0</c:v>
+                </c:pt>
+                <c:pt idx="62">
+                  <c:v>62.0</c:v>
+                </c:pt>
+                <c:pt idx="63">
+                  <c:v>63.0</c:v>
+                </c:pt>
+                <c:pt idx="64">
+                  <c:v>64.0</c:v>
+                </c:pt>
+                <c:pt idx="65">
+                  <c:v>65.0</c:v>
+                </c:pt>
+                <c:pt idx="66">
+                  <c:v>66.0</c:v>
+                </c:pt>
+                <c:pt idx="67">
+                  <c:v>67.0</c:v>
+                </c:pt>
+                <c:pt idx="68">
+                  <c:v>68.0</c:v>
+                </c:pt>
+                <c:pt idx="69">
+                  <c:v>69.0</c:v>
+                </c:pt>
+                <c:pt idx="70">
+                  <c:v>70.0</c:v>
+                </c:pt>
+                <c:pt idx="71">
+                  <c:v>71.0</c:v>
+                </c:pt>
+                <c:pt idx="72">
+                  <c:v>72.0</c:v>
+                </c:pt>
+                <c:pt idx="73">
+                  <c:v>73.0</c:v>
+                </c:pt>
+                <c:pt idx="74">
+                  <c:v>74.0</c:v>
+                </c:pt>
+                <c:pt idx="75">
+                  <c:v>75.0</c:v>
+                </c:pt>
+                <c:pt idx="76">
+                  <c:v>76.0</c:v>
+                </c:pt>
+                <c:pt idx="77">
+                  <c:v>77.0</c:v>
+                </c:pt>
+                <c:pt idx="78">
+                  <c:v>78.0</c:v>
+                </c:pt>
+                <c:pt idx="79">
+                  <c:v>79.0</c:v>
+                </c:pt>
+                <c:pt idx="80">
+                  <c:v>80.0</c:v>
+                </c:pt>
+                <c:pt idx="81">
+                  <c:v>81.0</c:v>
+                </c:pt>
+                <c:pt idx="82">
+                  <c:v>82.0</c:v>
+                </c:pt>
+                <c:pt idx="83">
+                  <c:v>83.0</c:v>
+                </c:pt>
+                <c:pt idx="84">
+                  <c:v>84.0</c:v>
+                </c:pt>
+                <c:pt idx="85">
+                  <c:v>85.0</c:v>
+                </c:pt>
+                <c:pt idx="86">
+                  <c:v>86.0</c:v>
+                </c:pt>
+                <c:pt idx="87">
+                  <c:v>87.0</c:v>
+                </c:pt>
+                <c:pt idx="88">
+                  <c:v>88.0</c:v>
+                </c:pt>
+                <c:pt idx="89">
+                  <c:v>89.0</c:v>
+                </c:pt>
+                <c:pt idx="90">
+                  <c:v>90.0</c:v>
+                </c:pt>
+                <c:pt idx="91">
+                  <c:v>91.0</c:v>
+                </c:pt>
+                <c:pt idx="92">
+                  <c:v>92.0</c:v>
+                </c:pt>
+                <c:pt idx="93">
+                  <c:v>93.0</c:v>
+                </c:pt>
+                <c:pt idx="94">
+                  <c:v>94.0</c:v>
+                </c:pt>
+                <c:pt idx="95">
+                  <c:v>95.0</c:v>
+                </c:pt>
+                <c:pt idx="96">
+                  <c:v>96.0</c:v>
+                </c:pt>
+                <c:pt idx="97">
+                  <c:v>97.0</c:v>
+                </c:pt>
+                <c:pt idx="98">
+                  <c:v>98.0</c:v>
+                </c:pt>
+                <c:pt idx="99">
+                  <c:v>99.0</c:v>
+                </c:pt>
+                <c:pt idx="100">
+                  <c:v>100.0</c:v>
+                </c:pt>
+                <c:pt idx="101">
+                  <c:v>101.0</c:v>
+                </c:pt>
+                <c:pt idx="102">
+                  <c:v>102.0</c:v>
+                </c:pt>
+                <c:pt idx="103">
+                  <c:v>103.0</c:v>
+                </c:pt>
+                <c:pt idx="104">
+                  <c:v>104.0</c:v>
+                </c:pt>
+                <c:pt idx="105">
+                  <c:v>105.0</c:v>
+                </c:pt>
+                <c:pt idx="106">
+                  <c:v>106.0</c:v>
+                </c:pt>
+                <c:pt idx="107">
+                  <c:v>107.0</c:v>
+                </c:pt>
+                <c:pt idx="108">
+                  <c:v>108.0</c:v>
+                </c:pt>
+                <c:pt idx="109">
+                  <c:v>109.0</c:v>
+                </c:pt>
+                <c:pt idx="110">
+                  <c:v>110.0</c:v>
+                </c:pt>
+                <c:pt idx="111">
+                  <c:v>111.0</c:v>
+                </c:pt>
+                <c:pt idx="112">
+                  <c:v>112.0</c:v>
                 </c:pt>
               </c:numCache>
             </c:numRef>
           </c:xVal>
           <c:yVal>
             <c:numRef>
-              <c:f>'soda-70%'!$L$2:$L$56</c:f>
+              <c:f>'soda-90%'!$B$2:$B$178</c:f>
               <c:numCache>
                 <c:formatCode>General</c:formatCode>
-                <c:ptCount val="55"/>
+                <c:ptCount val="177"/>
                 <c:pt idx="0">
                   <c:v>0.0</c:v>
                 </c:pt>
@@ -297,112 +527,2184 @@
                   <c:v>12.10592686002522</c:v>
                 </c:pt>
                 <c:pt idx="3">
+                  <c:v>19.54602774274905</c:v>
+                </c:pt>
+                <c:pt idx="4">
+                  <c:v>19.86128625472888</c:v>
+                </c:pt>
+                <c:pt idx="5">
+                  <c:v>31.84110970996217</c:v>
+                </c:pt>
+                <c:pt idx="6">
+                  <c:v>43.12736443883984</c:v>
+                </c:pt>
+                <c:pt idx="7">
+                  <c:v>43.3795712484237</c:v>
+                </c:pt>
+                <c:pt idx="8">
+                  <c:v>44.01008827238336</c:v>
+                </c:pt>
+                <c:pt idx="9">
+                  <c:v>46.46910466582598</c:v>
+                </c:pt>
+                <c:pt idx="10">
+                  <c:v>49.05422446406053</c:v>
+                </c:pt>
+                <c:pt idx="11">
+                  <c:v>49.24337957124843</c:v>
+                </c:pt>
+                <c:pt idx="12">
+                  <c:v>50.12610340479192</c:v>
+                </c:pt>
+                <c:pt idx="13">
+                  <c:v>50.1891551071879</c:v>
+                </c:pt>
+                <c:pt idx="14">
+                  <c:v>50.44136191677175</c:v>
+                </c:pt>
+                <c:pt idx="15">
+                  <c:v>55.04413619167718</c:v>
+                </c:pt>
+                <c:pt idx="16">
+                  <c:v>67.96973518284993</c:v>
+                </c:pt>
+                <c:pt idx="17">
+                  <c:v>67.96973518284993</c:v>
+                </c:pt>
+                <c:pt idx="18">
+                  <c:v>68.15889029003783</c:v>
+                </c:pt>
+                <c:pt idx="19">
+                  <c:v>68.41109709962168</c:v>
+                </c:pt>
+                <c:pt idx="20">
+                  <c:v>69.35687263556116</c:v>
+                </c:pt>
+                <c:pt idx="21">
+                  <c:v>72.19419924337957</c:v>
+                </c:pt>
+                <c:pt idx="22">
+                  <c:v>72.82471626733921</c:v>
+                </c:pt>
+                <c:pt idx="23">
+                  <c:v>72.88776796973517</c:v>
+                </c:pt>
+                <c:pt idx="24">
+                  <c:v>73.13997477931904</c:v>
+                </c:pt>
+                <c:pt idx="25">
+                  <c:v>73.13997477931904</c:v>
+                </c:pt>
+                <c:pt idx="26">
+                  <c:v>73.3921815889029</c:v>
+                </c:pt>
+                <c:pt idx="27">
+                  <c:v>73.3921815889029</c:v>
+                </c:pt>
+                <c:pt idx="28">
+                  <c:v>73.64438839848675</c:v>
+                </c:pt>
+                <c:pt idx="29">
+                  <c:v>73.64438839848675</c:v>
+                </c:pt>
+                <c:pt idx="30">
+                  <c:v>74.71626733921816</c:v>
+                </c:pt>
+                <c:pt idx="31">
+                  <c:v>74.96847414880201</c:v>
+                </c:pt>
+                <c:pt idx="32">
+                  <c:v>74.90542244640605</c:v>
+                </c:pt>
+                <c:pt idx="33">
+                  <c:v>75.22068095838587</c:v>
+                </c:pt>
+                <c:pt idx="34">
+                  <c:v>75.5359394703657</c:v>
+                </c:pt>
+                <c:pt idx="35">
+                  <c:v>74.4640605296343</c:v>
+                </c:pt>
+                <c:pt idx="36">
+                  <c:v>74.4640605296343</c:v>
+                </c:pt>
+                <c:pt idx="37">
+                  <c:v>74.96847414880201</c:v>
+                </c:pt>
+                <c:pt idx="38">
+                  <c:v>75.15762925598991</c:v>
+                </c:pt>
+                <c:pt idx="39">
+                  <c:v>75.40983606557377</c:v>
+                </c:pt>
+                <c:pt idx="40">
+                  <c:v>75.78814627994955</c:v>
+                </c:pt>
+                <c:pt idx="41">
+                  <c:v>76.29255989911727</c:v>
+                </c:pt>
+                <c:pt idx="42">
+                  <c:v>76.35561160151324</c:v>
+                </c:pt>
+                <c:pt idx="43">
+                  <c:v>76.6078184110971</c:v>
+                </c:pt>
+                <c:pt idx="44">
+                  <c:v>76.796973518285</c:v>
+                </c:pt>
+                <c:pt idx="45">
+                  <c:v>77.04918032786885</c:v>
+                </c:pt>
+                <c:pt idx="46">
+                  <c:v>77.74274905422446</c:v>
+                </c:pt>
+                <c:pt idx="47">
+                  <c:v>77.67969735182849</c:v>
+                </c:pt>
+                <c:pt idx="48">
+                  <c:v>78.43631778058007</c:v>
+                </c:pt>
+                <c:pt idx="49">
+                  <c:v>78.87767969735182</c:v>
+                </c:pt>
+                <c:pt idx="50">
+                  <c:v>79.57124842370744</c:v>
+                </c:pt>
+                <c:pt idx="51">
+                  <c:v>79.63430012610341</c:v>
+                </c:pt>
+                <c:pt idx="52">
+                  <c:v>79.63430012610341</c:v>
+                </c:pt>
+                <c:pt idx="53">
+                  <c:v>79.69735182849936</c:v>
+                </c:pt>
+                <c:pt idx="54">
+                  <c:v>79.69735182849936</c:v>
+                </c:pt>
+                <c:pt idx="55">
+                  <c:v>79.76040353089533</c:v>
+                </c:pt>
+                <c:pt idx="56">
+                  <c:v>79.8234552332913</c:v>
+                </c:pt>
+                <c:pt idx="57">
+                  <c:v>80.07566204287515</c:v>
+                </c:pt>
+                <c:pt idx="58">
+                  <c:v>80.64312736443884</c:v>
+                </c:pt>
+                <c:pt idx="59">
+                  <c:v>81.90416141235813</c:v>
+                </c:pt>
+                <c:pt idx="60">
+                  <c:v>81.90416141235813</c:v>
+                </c:pt>
+                <c:pt idx="61">
+                  <c:v>83.85876418663304</c:v>
+                </c:pt>
+                <c:pt idx="62">
+                  <c:v>83.85876418663304</c:v>
+                </c:pt>
+                <c:pt idx="63">
+                  <c:v>84.04791929382093</c:v>
+                </c:pt>
+                <c:pt idx="64">
+                  <c:v>84.17402269861285</c:v>
+                </c:pt>
+                <c:pt idx="65">
+                  <c:v>84.42622950819672</c:v>
+                </c:pt>
+                <c:pt idx="66">
+                  <c:v>84.42622950819672</c:v>
+                </c:pt>
+                <c:pt idx="67">
+                  <c:v>84.67843631778058</c:v>
+                </c:pt>
+                <c:pt idx="68">
+                  <c:v>84.80453972257251</c:v>
+                </c:pt>
+                <c:pt idx="69">
+                  <c:v>84.80453972257251</c:v>
+                </c:pt>
+                <c:pt idx="70">
+                  <c:v>84.74148802017654</c:v>
+                </c:pt>
+                <c:pt idx="71">
+                  <c:v>84.74148802017654</c:v>
+                </c:pt>
+                <c:pt idx="72">
+                  <c:v>85.11979823455233</c:v>
+                </c:pt>
+                <c:pt idx="73">
+                  <c:v>85.43505674653215</c:v>
+                </c:pt>
+                <c:pt idx="74">
+                  <c:v>86.06557377049181</c:v>
+                </c:pt>
+                <c:pt idx="75">
+                  <c:v>86.19167717528373</c:v>
+                </c:pt>
+                <c:pt idx="76">
+                  <c:v>86.38083228247163</c:v>
+                </c:pt>
+                <c:pt idx="77">
+                  <c:v>86.63303909205548</c:v>
+                </c:pt>
+                <c:pt idx="78">
+                  <c:v>86.63303909205548</c:v>
+                </c:pt>
+                <c:pt idx="79">
+                  <c:v>86.69609079445145</c:v>
+                </c:pt>
+                <c:pt idx="80">
+                  <c:v>86.69609079445145</c:v>
+                </c:pt>
+                <c:pt idx="81">
+                  <c:v>86.69609079445145</c:v>
+                </c:pt>
+                <c:pt idx="82">
+                  <c:v>87.01134930643127</c:v>
+                </c:pt>
+                <c:pt idx="83">
+                  <c:v>87.01134930643127</c:v>
+                </c:pt>
+                <c:pt idx="84">
+                  <c:v>87.01134930643127</c:v>
+                </c:pt>
+                <c:pt idx="85">
+                  <c:v>86.63303909205548</c:v>
+                </c:pt>
+                <c:pt idx="86">
+                  <c:v>86.82219419924338</c:v>
+                </c:pt>
+                <c:pt idx="87">
+                  <c:v>86.82219419924338</c:v>
+                </c:pt>
+                <c:pt idx="88">
+                  <c:v>86.82219419924338</c:v>
+                </c:pt>
+                <c:pt idx="89">
+                  <c:v>86.82219419924338</c:v>
+                </c:pt>
+                <c:pt idx="90">
+                  <c:v>87.01134930643127</c:v>
+                </c:pt>
+                <c:pt idx="91">
+                  <c:v>88.02017654476671</c:v>
+                </c:pt>
+                <c:pt idx="92">
+                  <c:v>88.08322824716267</c:v>
+                </c:pt>
+                <c:pt idx="93">
+                  <c:v>88.71374527112232</c:v>
+                </c:pt>
+                <c:pt idx="94">
+                  <c:v>88.71374527112232</c:v>
+                </c:pt>
+                <c:pt idx="95">
+                  <c:v>88.90290037831022</c:v>
+                </c:pt>
+                <c:pt idx="96">
+                  <c:v>88.90290037831022</c:v>
+                </c:pt>
+                <c:pt idx="97">
+                  <c:v>88.90290037831022</c:v>
+                </c:pt>
+                <c:pt idx="98">
+                  <c:v>88.90290037831022</c:v>
+                </c:pt>
+                <c:pt idx="99">
+                  <c:v>88.90290037831022</c:v>
+                </c:pt>
+                <c:pt idx="100">
+                  <c:v>88.90290037831022</c:v>
+                </c:pt>
+                <c:pt idx="101">
+                  <c:v>89.21815889029004</c:v>
+                </c:pt>
+                <c:pt idx="102">
+                  <c:v>88.65069356872635</c:v>
+                </c:pt>
+                <c:pt idx="103">
+                  <c:v>88.65069356872635</c:v>
+                </c:pt>
+                <c:pt idx="104">
+                  <c:v>89.02900378310214</c:v>
+                </c:pt>
+                <c:pt idx="105">
+                  <c:v>89.02900378310214</c:v>
+                </c:pt>
+                <c:pt idx="106">
+                  <c:v>89.02900378310214</c:v>
+                </c:pt>
+                <c:pt idx="107">
+                  <c:v>89.28121059268601</c:v>
+                </c:pt>
+                <c:pt idx="108">
+                  <c:v>89.28121059268601</c:v>
+                </c:pt>
+                <c:pt idx="109">
+                  <c:v>89.40731399747792</c:v>
+                </c:pt>
+                <c:pt idx="110">
+                  <c:v>89.72257250945775</c:v>
+                </c:pt>
+                <c:pt idx="111">
+                  <c:v>89.91172761664564</c:v>
+                </c:pt>
+                <c:pt idx="112">
+                  <c:v>90.29003783102144</c:v>
+                </c:pt>
+              </c:numCache>
+            </c:numRef>
+          </c:yVal>
+          <c:smooth val="1"/>
+        </c:ser>
+        <c:ser>
+          <c:idx val="2"/>
+          <c:order val="1"/>
+          <c:tx>
+            <c:strRef>
+              <c:f>'soda-90%'!$L$1</c:f>
+              <c:strCache>
+                <c:ptCount val="1"/>
+                <c:pt idx="0">
+                  <c:v>MinRemaining</c:v>
+                </c:pt>
+              </c:strCache>
+            </c:strRef>
+          </c:tx>
+          <c:spPr>
+            <a:ln w="12700" cmpd="sng">
+              <a:solidFill>
+                <a:schemeClr val="bg1">
+                  <a:lumMod val="50000"/>
+                </a:schemeClr>
+              </a:solidFill>
+              <a:prstDash val="solid"/>
+            </a:ln>
+          </c:spPr>
+          <c:marker>
+            <c:symbol val="none"/>
+          </c:marker>
+          <c:xVal>
+            <c:numRef>
+              <c:f>'soda-90%'!$K$2:$K$178</c:f>
+              <c:numCache>
+                <c:formatCode>General</c:formatCode>
+                <c:ptCount val="177"/>
+                <c:pt idx="0">
+                  <c:v>0.0</c:v>
+                </c:pt>
+                <c:pt idx="1">
+                  <c:v>1.0</c:v>
+                </c:pt>
+                <c:pt idx="2">
+                  <c:v>2.0</c:v>
+                </c:pt>
+                <c:pt idx="3">
+                  <c:v>3.0</c:v>
+                </c:pt>
+                <c:pt idx="4">
+                  <c:v>4.0</c:v>
+                </c:pt>
+                <c:pt idx="5">
+                  <c:v>5.0</c:v>
+                </c:pt>
+                <c:pt idx="6">
+                  <c:v>6.0</c:v>
+                </c:pt>
+                <c:pt idx="7">
+                  <c:v>7.0</c:v>
+                </c:pt>
+                <c:pt idx="8">
+                  <c:v>8.0</c:v>
+                </c:pt>
+                <c:pt idx="9">
+                  <c:v>9.0</c:v>
+                </c:pt>
+                <c:pt idx="10">
+                  <c:v>10.0</c:v>
+                </c:pt>
+                <c:pt idx="11">
+                  <c:v>11.0</c:v>
+                </c:pt>
+                <c:pt idx="12">
+                  <c:v>12.0</c:v>
+                </c:pt>
+                <c:pt idx="13">
+                  <c:v>13.0</c:v>
+                </c:pt>
+                <c:pt idx="14">
+                  <c:v>14.0</c:v>
+                </c:pt>
+                <c:pt idx="15">
+                  <c:v>15.0</c:v>
+                </c:pt>
+                <c:pt idx="16">
+                  <c:v>16.0</c:v>
+                </c:pt>
+                <c:pt idx="17">
+                  <c:v>17.0</c:v>
+                </c:pt>
+                <c:pt idx="18">
+                  <c:v>18.0</c:v>
+                </c:pt>
+                <c:pt idx="19">
+                  <c:v>19.0</c:v>
+                </c:pt>
+                <c:pt idx="20">
+                  <c:v>20.0</c:v>
+                </c:pt>
+                <c:pt idx="21">
+                  <c:v>21.0</c:v>
+                </c:pt>
+                <c:pt idx="22">
+                  <c:v>22.0</c:v>
+                </c:pt>
+                <c:pt idx="23">
+                  <c:v>23.0</c:v>
+                </c:pt>
+                <c:pt idx="24">
+                  <c:v>24.0</c:v>
+                </c:pt>
+                <c:pt idx="25">
+                  <c:v>25.0</c:v>
+                </c:pt>
+                <c:pt idx="26">
+                  <c:v>26.0</c:v>
+                </c:pt>
+                <c:pt idx="27">
+                  <c:v>27.0</c:v>
+                </c:pt>
+                <c:pt idx="28">
+                  <c:v>28.0</c:v>
+                </c:pt>
+                <c:pt idx="29">
+                  <c:v>29.0</c:v>
+                </c:pt>
+                <c:pt idx="30">
+                  <c:v>30.0</c:v>
+                </c:pt>
+                <c:pt idx="31">
+                  <c:v>31.0</c:v>
+                </c:pt>
+                <c:pt idx="32">
+                  <c:v>32.0</c:v>
+                </c:pt>
+                <c:pt idx="33">
+                  <c:v>33.0</c:v>
+                </c:pt>
+                <c:pt idx="34">
+                  <c:v>34.0</c:v>
+                </c:pt>
+                <c:pt idx="35">
+                  <c:v>35.0</c:v>
+                </c:pt>
+                <c:pt idx="36">
+                  <c:v>36.0</c:v>
+                </c:pt>
+                <c:pt idx="37">
+                  <c:v>37.0</c:v>
+                </c:pt>
+                <c:pt idx="38">
+                  <c:v>38.0</c:v>
+                </c:pt>
+                <c:pt idx="39">
+                  <c:v>39.0</c:v>
+                </c:pt>
+                <c:pt idx="40">
+                  <c:v>40.0</c:v>
+                </c:pt>
+                <c:pt idx="41">
+                  <c:v>41.0</c:v>
+                </c:pt>
+                <c:pt idx="42">
+                  <c:v>42.0</c:v>
+                </c:pt>
+                <c:pt idx="43">
+                  <c:v>43.0</c:v>
+                </c:pt>
+                <c:pt idx="44">
+                  <c:v>44.0</c:v>
+                </c:pt>
+                <c:pt idx="45">
+                  <c:v>45.0</c:v>
+                </c:pt>
+                <c:pt idx="46">
+                  <c:v>46.0</c:v>
+                </c:pt>
+                <c:pt idx="47">
+                  <c:v>47.0</c:v>
+                </c:pt>
+                <c:pt idx="48">
+                  <c:v>48.0</c:v>
+                </c:pt>
+                <c:pt idx="49">
+                  <c:v>49.0</c:v>
+                </c:pt>
+                <c:pt idx="50">
+                  <c:v>50.0</c:v>
+                </c:pt>
+                <c:pt idx="51">
+                  <c:v>51.0</c:v>
+                </c:pt>
+                <c:pt idx="52">
+                  <c:v>52.0</c:v>
+                </c:pt>
+                <c:pt idx="53">
+                  <c:v>53.0</c:v>
+                </c:pt>
+                <c:pt idx="54">
+                  <c:v>54.0</c:v>
+                </c:pt>
+                <c:pt idx="55">
+                  <c:v>55.0</c:v>
+                </c:pt>
+                <c:pt idx="56">
+                  <c:v>56.0</c:v>
+                </c:pt>
+                <c:pt idx="57">
+                  <c:v>57.0</c:v>
+                </c:pt>
+                <c:pt idx="58">
+                  <c:v>58.0</c:v>
+                </c:pt>
+                <c:pt idx="59">
+                  <c:v>59.0</c:v>
+                </c:pt>
+                <c:pt idx="60">
+                  <c:v>60.0</c:v>
+                </c:pt>
+                <c:pt idx="61">
+                  <c:v>61.0</c:v>
+                </c:pt>
+                <c:pt idx="62">
+                  <c:v>62.0</c:v>
+                </c:pt>
+                <c:pt idx="63">
+                  <c:v>63.0</c:v>
+                </c:pt>
+                <c:pt idx="64">
+                  <c:v>64.0</c:v>
+                </c:pt>
+                <c:pt idx="65">
+                  <c:v>65.0</c:v>
+                </c:pt>
+                <c:pt idx="66">
+                  <c:v>66.0</c:v>
+                </c:pt>
+                <c:pt idx="67">
+                  <c:v>67.0</c:v>
+                </c:pt>
+                <c:pt idx="68">
+                  <c:v>68.0</c:v>
+                </c:pt>
+                <c:pt idx="69">
+                  <c:v>69.0</c:v>
+                </c:pt>
+                <c:pt idx="70">
+                  <c:v>70.0</c:v>
+                </c:pt>
+                <c:pt idx="71">
+                  <c:v>71.0</c:v>
+                </c:pt>
+                <c:pt idx="72">
+                  <c:v>72.0</c:v>
+                </c:pt>
+                <c:pt idx="73">
+                  <c:v>73.0</c:v>
+                </c:pt>
+                <c:pt idx="74">
+                  <c:v>74.0</c:v>
+                </c:pt>
+                <c:pt idx="75">
+                  <c:v>75.0</c:v>
+                </c:pt>
+                <c:pt idx="76">
+                  <c:v>76.0</c:v>
+                </c:pt>
+                <c:pt idx="77">
+                  <c:v>77.0</c:v>
+                </c:pt>
+                <c:pt idx="78">
+                  <c:v>78.0</c:v>
+                </c:pt>
+                <c:pt idx="79">
+                  <c:v>79.0</c:v>
+                </c:pt>
+                <c:pt idx="80">
+                  <c:v>80.0</c:v>
+                </c:pt>
+                <c:pt idx="81">
+                  <c:v>81.0</c:v>
+                </c:pt>
+                <c:pt idx="82">
+                  <c:v>82.0</c:v>
+                </c:pt>
+                <c:pt idx="83">
+                  <c:v>83.0</c:v>
+                </c:pt>
+                <c:pt idx="84">
+                  <c:v>84.0</c:v>
+                </c:pt>
+                <c:pt idx="85">
+                  <c:v>85.0</c:v>
+                </c:pt>
+                <c:pt idx="86">
+                  <c:v>86.0</c:v>
+                </c:pt>
+                <c:pt idx="87">
+                  <c:v>87.0</c:v>
+                </c:pt>
+                <c:pt idx="88">
+                  <c:v>88.0</c:v>
+                </c:pt>
+                <c:pt idx="89">
+                  <c:v>89.0</c:v>
+                </c:pt>
+                <c:pt idx="90">
+                  <c:v>90.0</c:v>
+                </c:pt>
+                <c:pt idx="91">
+                  <c:v>91.0</c:v>
+                </c:pt>
+                <c:pt idx="92">
+                  <c:v>92.0</c:v>
+                </c:pt>
+                <c:pt idx="93">
+                  <c:v>93.0</c:v>
+                </c:pt>
+                <c:pt idx="94">
+                  <c:v>94.0</c:v>
+                </c:pt>
+                <c:pt idx="95">
+                  <c:v>95.0</c:v>
+                </c:pt>
+                <c:pt idx="96">
+                  <c:v>96.0</c:v>
+                </c:pt>
+                <c:pt idx="97">
+                  <c:v>97.0</c:v>
+                </c:pt>
+                <c:pt idx="98">
+                  <c:v>98.0</c:v>
+                </c:pt>
+                <c:pt idx="99">
+                  <c:v>99.0</c:v>
+                </c:pt>
+                <c:pt idx="100">
+                  <c:v>100.0</c:v>
+                </c:pt>
+                <c:pt idx="101">
+                  <c:v>101.0</c:v>
+                </c:pt>
+                <c:pt idx="102">
+                  <c:v>102.0</c:v>
+                </c:pt>
+                <c:pt idx="103">
+                  <c:v>103.0</c:v>
+                </c:pt>
+                <c:pt idx="104">
+                  <c:v>104.0</c:v>
+                </c:pt>
+                <c:pt idx="105">
+                  <c:v>105.0</c:v>
+                </c:pt>
+                <c:pt idx="106">
+                  <c:v>106.0</c:v>
+                </c:pt>
+                <c:pt idx="107">
+                  <c:v>107.0</c:v>
+                </c:pt>
+                <c:pt idx="108">
+                  <c:v>108.0</c:v>
+                </c:pt>
+                <c:pt idx="109">
+                  <c:v>109.0</c:v>
+                </c:pt>
+                <c:pt idx="110">
+                  <c:v>110.0</c:v>
+                </c:pt>
+                <c:pt idx="111">
+                  <c:v>111.0</c:v>
+                </c:pt>
+                <c:pt idx="112">
+                  <c:v>112.0</c:v>
+                </c:pt>
+                <c:pt idx="113">
+                  <c:v>113.0</c:v>
+                </c:pt>
+                <c:pt idx="114">
+                  <c:v>114.0</c:v>
+                </c:pt>
+                <c:pt idx="115">
+                  <c:v>115.0</c:v>
+                </c:pt>
+              </c:numCache>
+            </c:numRef>
+          </c:xVal>
+          <c:yVal>
+            <c:numRef>
+              <c:f>'soda-90%'!$L$2:$L$178</c:f>
+              <c:numCache>
+                <c:formatCode>General</c:formatCode>
+                <c:ptCount val="177"/>
+                <c:pt idx="0">
+                  <c:v>0.0</c:v>
+                </c:pt>
+                <c:pt idx="1">
+                  <c:v>0.0</c:v>
+                </c:pt>
+                <c:pt idx="2">
+                  <c:v>12.10592686002522</c:v>
+                </c:pt>
+                <c:pt idx="3">
+                  <c:v>12.35813366960908</c:v>
+                </c:pt>
+                <c:pt idx="4">
                   <c:v>12.54728877679697</c:v>
                 </c:pt>
+                <c:pt idx="5">
+                  <c:v>13.0517023959647</c:v>
+                </c:pt>
+                <c:pt idx="6">
+                  <c:v>14.43883984867592</c:v>
+                </c:pt>
+                <c:pt idx="7">
+                  <c:v>14.06052963430013</c:v>
+                </c:pt>
+                <c:pt idx="8">
+                  <c:v>14.8171500630517</c:v>
+                </c:pt>
+                <c:pt idx="9">
+                  <c:v>15.63682219419924</c:v>
+                </c:pt>
+                <c:pt idx="10">
+                  <c:v>15.8890290037831</c:v>
+                </c:pt>
+                <c:pt idx="11">
+                  <c:v>15.8890290037831</c:v>
+                </c:pt>
+                <c:pt idx="12">
+                  <c:v>15.8890290037831</c:v>
+                </c:pt>
+                <c:pt idx="13">
+                  <c:v>15.8890290037831</c:v>
+                </c:pt>
+                <c:pt idx="14">
+                  <c:v>15.95208070617907</c:v>
+                </c:pt>
+                <c:pt idx="15">
+                  <c:v>16.01513240857503</c:v>
+                </c:pt>
+                <c:pt idx="16">
+                  <c:v>16.14123581336696</c:v>
+                </c:pt>
+                <c:pt idx="17">
+                  <c:v>16.33039092055485</c:v>
+                </c:pt>
+                <c:pt idx="18">
+                  <c:v>16.58259773013872</c:v>
+                </c:pt>
+                <c:pt idx="19">
+                  <c:v>16.83480453972257</c:v>
+                </c:pt>
+                <c:pt idx="20">
+                  <c:v>16.83480453972257</c:v>
+                </c:pt>
+                <c:pt idx="21">
+                  <c:v>17.1500630517024</c:v>
+                </c:pt>
+                <c:pt idx="22">
+                  <c:v>17.21311475409836</c:v>
+                </c:pt>
+                <c:pt idx="23">
+                  <c:v>17.27616645649433</c:v>
+                </c:pt>
+                <c:pt idx="24">
+                  <c:v>17.52837326607818</c:v>
+                </c:pt>
+                <c:pt idx="25">
+                  <c:v>17.78058007566204</c:v>
+                </c:pt>
+                <c:pt idx="26">
+                  <c:v>17.90668348045397</c:v>
+                </c:pt>
+                <c:pt idx="27">
+                  <c:v>18.15889029003783</c:v>
+                </c:pt>
+                <c:pt idx="28">
+                  <c:v>18.34804539722573</c:v>
+                </c:pt>
+                <c:pt idx="29">
+                  <c:v>31.46279949558638</c:v>
+                </c:pt>
+                <c:pt idx="30">
+                  <c:v>33.35435056746532</c:v>
+                </c:pt>
+                <c:pt idx="31">
+                  <c:v>33.48045397225725</c:v>
+                </c:pt>
+                <c:pt idx="32">
+                  <c:v>33.98486759142497</c:v>
+                </c:pt>
+                <c:pt idx="33">
+                  <c:v>33.921815889029</c:v>
+                </c:pt>
+                <c:pt idx="34">
+                  <c:v>34.17402269861286</c:v>
+                </c:pt>
+                <c:pt idx="35">
+                  <c:v>48.234552332913</c:v>
+                </c:pt>
+                <c:pt idx="36">
+                  <c:v>48.80201765447667</c:v>
+                </c:pt>
+                <c:pt idx="37">
+                  <c:v>63.9344262295082</c:v>
+                </c:pt>
+                <c:pt idx="38">
+                  <c:v>64.31273644388399</c:v>
+                </c:pt>
+                <c:pt idx="39">
+                  <c:v>64.31273644388399</c:v>
+                </c:pt>
+                <c:pt idx="40">
+                  <c:v>64.31273644388399</c:v>
+                </c:pt>
+                <c:pt idx="41">
+                  <c:v>64.31273644388399</c:v>
+                </c:pt>
+                <c:pt idx="42">
+                  <c:v>64.31273644388399</c:v>
+                </c:pt>
+                <c:pt idx="43">
+                  <c:v>64.31273644388399</c:v>
+                </c:pt>
+                <c:pt idx="44">
+                  <c:v>64.31273644388399</c:v>
+                </c:pt>
+                <c:pt idx="45">
+                  <c:v>64.31273644388399</c:v>
+                </c:pt>
+                <c:pt idx="46">
+                  <c:v>64.31273644388399</c:v>
+                </c:pt>
+                <c:pt idx="47">
+                  <c:v>64.31273644388399</c:v>
+                </c:pt>
+                <c:pt idx="48">
+                  <c:v>64.56494325346784</c:v>
+                </c:pt>
+                <c:pt idx="49">
+                  <c:v>47.54098360655738</c:v>
+                </c:pt>
+                <c:pt idx="50">
+                  <c:v>48.17150063051702</c:v>
+                </c:pt>
+                <c:pt idx="51">
+                  <c:v>70.68095838587642</c:v>
+                </c:pt>
+                <c:pt idx="52">
+                  <c:v>77.4905422446406</c:v>
+                </c:pt>
+                <c:pt idx="53">
+                  <c:v>77.67969735182849</c:v>
+                </c:pt>
+                <c:pt idx="54">
+                  <c:v>77.99495586380832</c:v>
+                </c:pt>
+                <c:pt idx="55">
+                  <c:v>77.74274905422446</c:v>
+                </c:pt>
+                <c:pt idx="56">
+                  <c:v>77.8688524590164</c:v>
+                </c:pt>
+                <c:pt idx="57">
+                  <c:v>78.562421185372</c:v>
+                </c:pt>
+                <c:pt idx="58">
+                  <c:v>78.62547288776797</c:v>
+                </c:pt>
+                <c:pt idx="59">
+                  <c:v>78.68852459016394</c:v>
+                </c:pt>
+                <c:pt idx="60">
+                  <c:v>79.63430012610341</c:v>
+                </c:pt>
+                <c:pt idx="61">
+                  <c:v>79.8234552332913</c:v>
+                </c:pt>
+                <c:pt idx="62">
+                  <c:v>79.8234552332913</c:v>
+                </c:pt>
+                <c:pt idx="63">
+                  <c:v>79.88650693568727</c:v>
+                </c:pt>
+                <c:pt idx="64">
+                  <c:v>80.13871374527111</c:v>
+                </c:pt>
+                <c:pt idx="65">
+                  <c:v>80.39092055485499</c:v>
+                </c:pt>
+                <c:pt idx="66">
+                  <c:v>80.45397225725094</c:v>
+                </c:pt>
+                <c:pt idx="67">
+                  <c:v>81.21059268600252</c:v>
+                </c:pt>
+                <c:pt idx="68">
+                  <c:v>81.33669609079445</c:v>
+                </c:pt>
+                <c:pt idx="69">
+                  <c:v>81.52585119798235</c:v>
+                </c:pt>
+                <c:pt idx="70">
+                  <c:v>81.9672131147541</c:v>
+                </c:pt>
+                <c:pt idx="71">
+                  <c:v>82.15636822194199</c:v>
+                </c:pt>
+                <c:pt idx="72">
+                  <c:v>82.34552332912988</c:v>
+                </c:pt>
+                <c:pt idx="73">
+                  <c:v>82.15636822194199</c:v>
+                </c:pt>
+                <c:pt idx="74">
+                  <c:v>82.15636822194199</c:v>
+                </c:pt>
+                <c:pt idx="75">
+                  <c:v>82.15636822194199</c:v>
+                </c:pt>
+                <c:pt idx="76">
+                  <c:v>82.53467843631777</c:v>
+                </c:pt>
+                <c:pt idx="77">
+                  <c:v>82.72383354350568</c:v>
+                </c:pt>
+                <c:pt idx="78">
+                  <c:v>83.54350567465321</c:v>
+                </c:pt>
+                <c:pt idx="79">
+                  <c:v>83.54350567465321</c:v>
+                </c:pt>
+                <c:pt idx="80">
+                  <c:v>83.7326607818411</c:v>
+                </c:pt>
+                <c:pt idx="81">
+                  <c:v>83.98486759142497</c:v>
+                </c:pt>
+                <c:pt idx="82">
+                  <c:v>84.11097099621689</c:v>
+                </c:pt>
+                <c:pt idx="83">
+                  <c:v>84.36317780580076</c:v>
+                </c:pt>
+                <c:pt idx="84">
+                  <c:v>84.36317780580076</c:v>
+                </c:pt>
+                <c:pt idx="85">
+                  <c:v>84.67843631778058</c:v>
+                </c:pt>
+                <c:pt idx="86">
+                  <c:v>84.67843631778058</c:v>
+                </c:pt>
+                <c:pt idx="87">
+                  <c:v>84.74148802017654</c:v>
+                </c:pt>
+                <c:pt idx="88">
+                  <c:v>84.9936948297604</c:v>
+                </c:pt>
+                <c:pt idx="89">
+                  <c:v>85.24590163934426</c:v>
+                </c:pt>
+                <c:pt idx="90">
+                  <c:v>85.49810844892812</c:v>
+                </c:pt>
+                <c:pt idx="91">
+                  <c:v>85.687263556116</c:v>
+                </c:pt>
+                <c:pt idx="92">
+                  <c:v>85.75031525851197</c:v>
+                </c:pt>
+                <c:pt idx="93">
+                  <c:v>85.93947036569988</c:v>
+                </c:pt>
+                <c:pt idx="94">
+                  <c:v>85.93947036569988</c:v>
+                </c:pt>
+                <c:pt idx="95">
+                  <c:v>86.4438839848676</c:v>
+                </c:pt>
+                <c:pt idx="96">
+                  <c:v>86.50693568726354</c:v>
+                </c:pt>
+                <c:pt idx="97">
+                  <c:v>87.20050441361917</c:v>
+                </c:pt>
+                <c:pt idx="98">
+                  <c:v>88.46153846153846</c:v>
+                </c:pt>
+                <c:pt idx="99">
+                  <c:v>88.46153846153846</c:v>
+                </c:pt>
+                <c:pt idx="100">
+                  <c:v>88.52459016393442</c:v>
+                </c:pt>
+                <c:pt idx="101">
+                  <c:v>88.58764186633038</c:v>
+                </c:pt>
+                <c:pt idx="102">
+                  <c:v>88.77679697351829</c:v>
+                </c:pt>
+                <c:pt idx="103">
+                  <c:v>89.02900378310214</c:v>
+                </c:pt>
+                <c:pt idx="104">
+                  <c:v>89.28121059268601</c:v>
+                </c:pt>
+                <c:pt idx="105">
+                  <c:v>89.53341740226986</c:v>
+                </c:pt>
+                <c:pt idx="106">
+                  <c:v>88.2093316519546</c:v>
+                </c:pt>
+                <c:pt idx="107">
+                  <c:v>89.6595208070618</c:v>
+                </c:pt>
+                <c:pt idx="108">
+                  <c:v>78.37326607818412</c:v>
+                </c:pt>
+                <c:pt idx="109">
+                  <c:v>89.59646910466583</c:v>
+                </c:pt>
+                <c:pt idx="110">
+                  <c:v>89.72257250945775</c:v>
+                </c:pt>
+                <c:pt idx="111">
+                  <c:v>89.84867591424968</c:v>
+                </c:pt>
+                <c:pt idx="112">
+                  <c:v>89.91172761664564</c:v>
+                </c:pt>
+                <c:pt idx="113">
+                  <c:v>89.91172761664564</c:v>
+                </c:pt>
+                <c:pt idx="114">
+                  <c:v>89.97477931904162</c:v>
+                </c:pt>
+                <c:pt idx="115">
+                  <c:v>90.10088272383355</c:v>
+                </c:pt>
+              </c:numCache>
+            </c:numRef>
+          </c:yVal>
+          <c:smooth val="1"/>
+        </c:ser>
+        <c:ser>
+          <c:idx val="3"/>
+          <c:order val="2"/>
+          <c:tx>
+            <c:strRef>
+              <c:f>'soda-90%'!$V$1</c:f>
+              <c:strCache>
+                <c:ptCount val="1"/>
+                <c:pt idx="0">
+                  <c:v>MaxRemaining</c:v>
+                </c:pt>
+              </c:strCache>
+            </c:strRef>
+          </c:tx>
+          <c:spPr>
+            <a:ln w="19050" cmpd="sng">
+              <a:solidFill>
+                <a:srgbClr val="000000"/>
+              </a:solidFill>
+              <a:prstDash val="lgDashDot"/>
+            </a:ln>
+          </c:spPr>
+          <c:marker>
+            <c:symbol val="none"/>
+          </c:marker>
+          <c:xVal>
+            <c:numRef>
+              <c:f>'soda-90%'!$U$2:$U$178</c:f>
+              <c:numCache>
+                <c:formatCode>General</c:formatCode>
+                <c:ptCount val="177"/>
+                <c:pt idx="0">
+                  <c:v>0.0</c:v>
+                </c:pt>
+                <c:pt idx="1">
+                  <c:v>1.0</c:v>
+                </c:pt>
+                <c:pt idx="2">
+                  <c:v>2.0</c:v>
+                </c:pt>
+                <c:pt idx="3">
+                  <c:v>3.0</c:v>
+                </c:pt>
                 <c:pt idx="4">
-                  <c:v>13.17780580075662</c:v>
+                  <c:v>4.0</c:v>
                 </c:pt>
                 <c:pt idx="5">
-                  <c:v>13.55611601513241</c:v>
+                  <c:v>5.0</c:v>
                 </c:pt>
                 <c:pt idx="6">
-                  <c:v>14.31273644388398</c:v>
+                  <c:v>6.0</c:v>
                 </c:pt>
                 <c:pt idx="7">
-                  <c:v>14.56494325346784</c:v>
+                  <c:v>7.0</c:v>
                 </c:pt>
                 <c:pt idx="8">
-                  <c:v>14.69104665825977</c:v>
+                  <c:v>8.0</c:v>
                 </c:pt>
                 <c:pt idx="9">
-                  <c:v>14.88020176544767</c:v>
+                  <c:v>9.0</c:v>
                 </c:pt>
                 <c:pt idx="10">
-                  <c:v>15.0063051702396</c:v>
+                  <c:v>10.0</c:v>
                 </c:pt>
                 <c:pt idx="11">
-                  <c:v>15.32156368221942</c:v>
+                  <c:v>11.0</c:v>
                 </c:pt>
                 <c:pt idx="12">
-                  <c:v>15.44766708701135</c:v>
+                  <c:v>12.0</c:v>
                 </c:pt>
                 <c:pt idx="13">
-                  <c:v>28.62547288776797</c:v>
+                  <c:v>13.0</c:v>
                 </c:pt>
                 <c:pt idx="14">
-                  <c:v>30.07566204287516</c:v>
+                  <c:v>14.0</c:v>
                 </c:pt>
                 <c:pt idx="15">
-                  <c:v>30.32786885245901</c:v>
+                  <c:v>15.0</c:v>
                 </c:pt>
                 <c:pt idx="16">
-                  <c:v>30.51702395964691</c:v>
+                  <c:v>16.0</c:v>
                 </c:pt>
                 <c:pt idx="17">
-                  <c:v>30.7061790668348</c:v>
+                  <c:v>17.0</c:v>
                 </c:pt>
                 <c:pt idx="18">
-                  <c:v>31.21059268600252</c:v>
+                  <c:v>18.0</c:v>
                 </c:pt>
                 <c:pt idx="19">
-                  <c:v>31.27364438839849</c:v>
+                  <c:v>19.0</c:v>
                 </c:pt>
                 <c:pt idx="20">
-                  <c:v>31.52585119798234</c:v>
+                  <c:v>20.0</c:v>
                 </c:pt>
                 <c:pt idx="21">
-                  <c:v>31.71500630517024</c:v>
+                  <c:v>21.0</c:v>
                 </c:pt>
                 <c:pt idx="22">
-                  <c:v>31.77805800756621</c:v>
+                  <c:v>22.0</c:v>
                 </c:pt>
                 <c:pt idx="23">
-                  <c:v>31.90416141235814</c:v>
+                  <c:v>23.0</c:v>
                 </c:pt>
                 <c:pt idx="24">
-                  <c:v>32.03026481715006</c:v>
+                  <c:v>24.0</c:v>
                 </c:pt>
                 <c:pt idx="25">
+                  <c:v>25.0</c:v>
+                </c:pt>
+                <c:pt idx="26">
+                  <c:v>26.0</c:v>
+                </c:pt>
+                <c:pt idx="27">
+                  <c:v>27.0</c:v>
+                </c:pt>
+                <c:pt idx="28">
+                  <c:v>28.0</c:v>
+                </c:pt>
+                <c:pt idx="29">
+                  <c:v>29.0</c:v>
+                </c:pt>
+                <c:pt idx="30">
+                  <c:v>30.0</c:v>
+                </c:pt>
+                <c:pt idx="31">
+                  <c:v>31.0</c:v>
+                </c:pt>
+                <c:pt idx="32">
+                  <c:v>32.0</c:v>
+                </c:pt>
+                <c:pt idx="33">
+                  <c:v>33.0</c:v>
+                </c:pt>
+                <c:pt idx="34">
+                  <c:v>34.0</c:v>
+                </c:pt>
+                <c:pt idx="35">
+                  <c:v>35.0</c:v>
+                </c:pt>
+                <c:pt idx="36">
+                  <c:v>36.0</c:v>
+                </c:pt>
+                <c:pt idx="37">
+                  <c:v>37.0</c:v>
+                </c:pt>
+                <c:pt idx="38">
+                  <c:v>38.0</c:v>
+                </c:pt>
+                <c:pt idx="39">
+                  <c:v>39.0</c:v>
+                </c:pt>
+                <c:pt idx="40">
+                  <c:v>40.0</c:v>
+                </c:pt>
+                <c:pt idx="41">
+                  <c:v>41.0</c:v>
+                </c:pt>
+                <c:pt idx="42">
+                  <c:v>42.0</c:v>
+                </c:pt>
+                <c:pt idx="43">
+                  <c:v>43.0</c:v>
+                </c:pt>
+                <c:pt idx="44">
+                  <c:v>44.0</c:v>
+                </c:pt>
+                <c:pt idx="45">
+                  <c:v>45.0</c:v>
+                </c:pt>
+                <c:pt idx="46">
+                  <c:v>46.0</c:v>
+                </c:pt>
+                <c:pt idx="47">
+                  <c:v>47.0</c:v>
+                </c:pt>
+                <c:pt idx="48">
+                  <c:v>48.0</c:v>
+                </c:pt>
+                <c:pt idx="49">
+                  <c:v>49.0</c:v>
+                </c:pt>
+                <c:pt idx="50">
+                  <c:v>50.0</c:v>
+                </c:pt>
+                <c:pt idx="51">
+                  <c:v>51.0</c:v>
+                </c:pt>
+                <c:pt idx="52">
+                  <c:v>52.0</c:v>
+                </c:pt>
+                <c:pt idx="53">
+                  <c:v>53.0</c:v>
+                </c:pt>
+                <c:pt idx="54">
+                  <c:v>54.0</c:v>
+                </c:pt>
+                <c:pt idx="55">
+                  <c:v>55.0</c:v>
+                </c:pt>
+                <c:pt idx="56">
+                  <c:v>56.0</c:v>
+                </c:pt>
+                <c:pt idx="57">
+                  <c:v>57.0</c:v>
+                </c:pt>
+                <c:pt idx="58">
+                  <c:v>58.0</c:v>
+                </c:pt>
+                <c:pt idx="59">
+                  <c:v>59.0</c:v>
+                </c:pt>
+                <c:pt idx="60">
+                  <c:v>60.0</c:v>
+                </c:pt>
+                <c:pt idx="61">
+                  <c:v>61.0</c:v>
+                </c:pt>
+                <c:pt idx="62">
+                  <c:v>62.0</c:v>
+                </c:pt>
+                <c:pt idx="63">
+                  <c:v>63.0</c:v>
+                </c:pt>
+                <c:pt idx="64">
+                  <c:v>64.0</c:v>
+                </c:pt>
+                <c:pt idx="65">
+                  <c:v>65.0</c:v>
+                </c:pt>
+                <c:pt idx="66">
+                  <c:v>66.0</c:v>
+                </c:pt>
+                <c:pt idx="67">
+                  <c:v>67.0</c:v>
+                </c:pt>
+                <c:pt idx="68">
+                  <c:v>68.0</c:v>
+                </c:pt>
+                <c:pt idx="69">
+                  <c:v>69.0</c:v>
+                </c:pt>
+                <c:pt idx="70">
+                  <c:v>70.0</c:v>
+                </c:pt>
+                <c:pt idx="71">
+                  <c:v>71.0</c:v>
+                </c:pt>
+                <c:pt idx="72">
+                  <c:v>72.0</c:v>
+                </c:pt>
+                <c:pt idx="73">
+                  <c:v>73.0</c:v>
+                </c:pt>
+                <c:pt idx="74">
+                  <c:v>74.0</c:v>
+                </c:pt>
+                <c:pt idx="75">
+                  <c:v>75.0</c:v>
+                </c:pt>
+                <c:pt idx="76">
+                  <c:v>76.0</c:v>
+                </c:pt>
+                <c:pt idx="77">
+                  <c:v>77.0</c:v>
+                </c:pt>
+                <c:pt idx="78">
+                  <c:v>78.0</c:v>
+                </c:pt>
+                <c:pt idx="79">
+                  <c:v>79.0</c:v>
+                </c:pt>
+                <c:pt idx="80">
+                  <c:v>80.0</c:v>
+                </c:pt>
+                <c:pt idx="81">
+                  <c:v>81.0</c:v>
+                </c:pt>
+                <c:pt idx="82">
+                  <c:v>82.0</c:v>
+                </c:pt>
+                <c:pt idx="83">
+                  <c:v>83.0</c:v>
+                </c:pt>
+                <c:pt idx="84">
+                  <c:v>84.0</c:v>
+                </c:pt>
+                <c:pt idx="85">
+                  <c:v>85.0</c:v>
+                </c:pt>
+                <c:pt idx="86">
+                  <c:v>86.0</c:v>
+                </c:pt>
+                <c:pt idx="87">
+                  <c:v>87.0</c:v>
+                </c:pt>
+                <c:pt idx="88">
+                  <c:v>88.0</c:v>
+                </c:pt>
+                <c:pt idx="89">
+                  <c:v>89.0</c:v>
+                </c:pt>
+                <c:pt idx="90">
+                  <c:v>90.0</c:v>
+                </c:pt>
+                <c:pt idx="91">
+                  <c:v>91.0</c:v>
+                </c:pt>
+                <c:pt idx="92">
+                  <c:v>92.0</c:v>
+                </c:pt>
+                <c:pt idx="93">
+                  <c:v>93.0</c:v>
+                </c:pt>
+                <c:pt idx="94">
+                  <c:v>94.0</c:v>
+                </c:pt>
+                <c:pt idx="95">
+                  <c:v>95.0</c:v>
+                </c:pt>
+                <c:pt idx="96">
+                  <c:v>96.0</c:v>
+                </c:pt>
+                <c:pt idx="97">
+                  <c:v>97.0</c:v>
+                </c:pt>
+                <c:pt idx="98">
+                  <c:v>98.0</c:v>
+                </c:pt>
+                <c:pt idx="99">
+                  <c:v>99.0</c:v>
+                </c:pt>
+                <c:pt idx="100">
+                  <c:v>100.0</c:v>
+                </c:pt>
+                <c:pt idx="101">
+                  <c:v>101.0</c:v>
+                </c:pt>
+                <c:pt idx="102">
+                  <c:v>102.0</c:v>
+                </c:pt>
+                <c:pt idx="103">
+                  <c:v>103.0</c:v>
+                </c:pt>
+                <c:pt idx="104">
+                  <c:v>104.0</c:v>
+                </c:pt>
+                <c:pt idx="105">
+                  <c:v>105.0</c:v>
+                </c:pt>
+                <c:pt idx="106">
+                  <c:v>106.0</c:v>
+                </c:pt>
+                <c:pt idx="107">
+                  <c:v>107.0</c:v>
+                </c:pt>
+                <c:pt idx="108">
+                  <c:v>108.0</c:v>
+                </c:pt>
+                <c:pt idx="109">
+                  <c:v>109.0</c:v>
+                </c:pt>
+                <c:pt idx="110">
+                  <c:v>110.0</c:v>
+                </c:pt>
+                <c:pt idx="111">
+                  <c:v>111.0</c:v>
+                </c:pt>
+                <c:pt idx="112">
+                  <c:v>112.0</c:v>
+                </c:pt>
+                <c:pt idx="113">
+                  <c:v>113.0</c:v>
+                </c:pt>
+                <c:pt idx="114">
+                  <c:v>114.0</c:v>
+                </c:pt>
+                <c:pt idx="115">
+                  <c:v>115.0</c:v>
+                </c:pt>
+                <c:pt idx="116">
+                  <c:v>116.0</c:v>
+                </c:pt>
+                <c:pt idx="117">
+                  <c:v>117.0</c:v>
+                </c:pt>
+                <c:pt idx="118">
+                  <c:v>118.0</c:v>
+                </c:pt>
+                <c:pt idx="119">
+                  <c:v>119.0</c:v>
+                </c:pt>
+                <c:pt idx="120">
+                  <c:v>120.0</c:v>
+                </c:pt>
+                <c:pt idx="121">
+                  <c:v>121.0</c:v>
+                </c:pt>
+                <c:pt idx="122">
+                  <c:v>122.0</c:v>
+                </c:pt>
+                <c:pt idx="123">
+                  <c:v>123.0</c:v>
+                </c:pt>
+                <c:pt idx="124">
+                  <c:v>124.0</c:v>
+                </c:pt>
+                <c:pt idx="125">
+                  <c:v>125.0</c:v>
+                </c:pt>
+                <c:pt idx="126">
+                  <c:v>126.0</c:v>
+                </c:pt>
+                <c:pt idx="127">
+                  <c:v>127.0</c:v>
+                </c:pt>
+                <c:pt idx="128">
+                  <c:v>128.0</c:v>
+                </c:pt>
+                <c:pt idx="129">
+                  <c:v>129.0</c:v>
+                </c:pt>
+                <c:pt idx="130">
+                  <c:v>130.0</c:v>
+                </c:pt>
+                <c:pt idx="131">
+                  <c:v>131.0</c:v>
+                </c:pt>
+                <c:pt idx="132">
+                  <c:v>132.0</c:v>
+                </c:pt>
+                <c:pt idx="133">
+                  <c:v>133.0</c:v>
+                </c:pt>
+                <c:pt idx="134">
+                  <c:v>134.0</c:v>
+                </c:pt>
+                <c:pt idx="135">
+                  <c:v>135.0</c:v>
+                </c:pt>
+                <c:pt idx="136">
+                  <c:v>136.0</c:v>
+                </c:pt>
+                <c:pt idx="137">
+                  <c:v>137.0</c:v>
+                </c:pt>
+                <c:pt idx="138">
+                  <c:v>138.0</c:v>
+                </c:pt>
+                <c:pt idx="139">
+                  <c:v>139.0</c:v>
+                </c:pt>
+                <c:pt idx="140">
+                  <c:v>140.0</c:v>
+                </c:pt>
+                <c:pt idx="141">
+                  <c:v>141.0</c:v>
+                </c:pt>
+                <c:pt idx="142">
+                  <c:v>142.0</c:v>
+                </c:pt>
+                <c:pt idx="143">
+                  <c:v>143.0</c:v>
+                </c:pt>
+                <c:pt idx="144">
+                  <c:v>144.0</c:v>
+                </c:pt>
+                <c:pt idx="145">
+                  <c:v>145.0</c:v>
+                </c:pt>
+                <c:pt idx="146">
+                  <c:v>146.0</c:v>
+                </c:pt>
+                <c:pt idx="147">
+                  <c:v>147.0</c:v>
+                </c:pt>
+                <c:pt idx="148">
+                  <c:v>148.0</c:v>
+                </c:pt>
+                <c:pt idx="149">
+                  <c:v>149.0</c:v>
+                </c:pt>
+                <c:pt idx="150">
+                  <c:v>150.0</c:v>
+                </c:pt>
+                <c:pt idx="151">
+                  <c:v>151.0</c:v>
+                </c:pt>
+                <c:pt idx="152">
+                  <c:v>152.0</c:v>
+                </c:pt>
+                <c:pt idx="153">
+                  <c:v>153.0</c:v>
+                </c:pt>
+                <c:pt idx="154">
+                  <c:v>154.0</c:v>
+                </c:pt>
+                <c:pt idx="155">
+                  <c:v>155.0</c:v>
+                </c:pt>
+                <c:pt idx="156">
+                  <c:v>156.0</c:v>
+                </c:pt>
+                <c:pt idx="157">
+                  <c:v>157.0</c:v>
+                </c:pt>
+                <c:pt idx="158">
+                  <c:v>158.0</c:v>
+                </c:pt>
+                <c:pt idx="159">
+                  <c:v>159.0</c:v>
+                </c:pt>
+                <c:pt idx="160">
+                  <c:v>160.0</c:v>
+                </c:pt>
+                <c:pt idx="161">
+                  <c:v>161.0</c:v>
+                </c:pt>
+                <c:pt idx="162">
+                  <c:v>162.0</c:v>
+                </c:pt>
+                <c:pt idx="163">
+                  <c:v>163.0</c:v>
+                </c:pt>
+                <c:pt idx="164">
+                  <c:v>164.0</c:v>
+                </c:pt>
+                <c:pt idx="165">
+                  <c:v>165.0</c:v>
+                </c:pt>
+                <c:pt idx="166">
+                  <c:v>166.0</c:v>
+                </c:pt>
+                <c:pt idx="167">
+                  <c:v>167.0</c:v>
+                </c:pt>
+                <c:pt idx="168">
+                  <c:v>168.0</c:v>
+                </c:pt>
+                <c:pt idx="169">
+                  <c:v>169.0</c:v>
+                </c:pt>
+                <c:pt idx="170">
+                  <c:v>170.0</c:v>
+                </c:pt>
+                <c:pt idx="171">
+                  <c:v>171.0</c:v>
+                </c:pt>
+                <c:pt idx="172">
+                  <c:v>172.0</c:v>
+                </c:pt>
+                <c:pt idx="173">
+                  <c:v>173.0</c:v>
+                </c:pt>
+                <c:pt idx="174">
+                  <c:v>174.0</c:v>
+                </c:pt>
+                <c:pt idx="175">
+                  <c:v>175.0</c:v>
+                </c:pt>
+                <c:pt idx="176">
+                  <c:v>176.0</c:v>
+                </c:pt>
+              </c:numCache>
+            </c:numRef>
+          </c:xVal>
+          <c:yVal>
+            <c:numRef>
+              <c:f>'soda-90%'!$V$2:$V$178</c:f>
+              <c:numCache>
+                <c:formatCode>General</c:formatCode>
+                <c:ptCount val="177"/>
+                <c:pt idx="0">
+                  <c:v>0.0</c:v>
+                </c:pt>
+                <c:pt idx="1">
+                  <c:v>0.0</c:v>
+                </c:pt>
+                <c:pt idx="2">
+                  <c:v>12.10592686002522</c:v>
+                </c:pt>
+                <c:pt idx="3">
+                  <c:v>11.47540983606557</c:v>
+                </c:pt>
+                <c:pt idx="4">
+                  <c:v>23.07692307692308</c:v>
+                </c:pt>
+                <c:pt idx="5">
+                  <c:v>23.89659520807062</c:v>
+                </c:pt>
+                <c:pt idx="6">
+                  <c:v>24.02269861286255</c:v>
+                </c:pt>
+                <c:pt idx="7">
+                  <c:v>24.14880201765447</c:v>
+                </c:pt>
+                <c:pt idx="8">
+                  <c:v>24.33795712484237</c:v>
+                </c:pt>
+                <c:pt idx="9">
                   <c:v>32.156368221942</c:v>
                 </c:pt>
+                <c:pt idx="10">
+                  <c:v>32.59773013871374</c:v>
+                </c:pt>
+                <c:pt idx="11">
+                  <c:v>33.48045397225725</c:v>
+                </c:pt>
+                <c:pt idx="12">
+                  <c:v>33.35435056746532</c:v>
+                </c:pt>
+                <c:pt idx="13">
+                  <c:v>33.54350567465322</c:v>
+                </c:pt>
+                <c:pt idx="14">
+                  <c:v>33.921815889029</c:v>
+                </c:pt>
+                <c:pt idx="15">
+                  <c:v>45.90163934426229</c:v>
+                </c:pt>
+                <c:pt idx="16">
+                  <c:v>46.40605296343001</c:v>
+                </c:pt>
+                <c:pt idx="17">
+                  <c:v>46.40605296343001</c:v>
+                </c:pt>
+                <c:pt idx="18">
+                  <c:v>46.40605296343001</c:v>
+                </c:pt>
+                <c:pt idx="19">
+                  <c:v>46.40605296343001</c:v>
+                </c:pt>
+                <c:pt idx="20">
+                  <c:v>46.46910466582598</c:v>
+                </c:pt>
+                <c:pt idx="21">
+                  <c:v>47.28877679697351</c:v>
+                </c:pt>
+                <c:pt idx="22">
+                  <c:v>47.28877679697351</c:v>
+                </c:pt>
+                <c:pt idx="23">
+                  <c:v>47.28877679697351</c:v>
+                </c:pt>
+                <c:pt idx="24">
+                  <c:v>47.28877679697351</c:v>
+                </c:pt>
+                <c:pt idx="25">
+                  <c:v>47.28877679697351</c:v>
+                </c:pt>
                 <c:pt idx="26">
-                  <c:v>32.53467843631778</c:v>
+                  <c:v>47.60403530895334</c:v>
                 </c:pt>
                 <c:pt idx="27">
-                  <c:v>32.78688524590164</c:v>
+                  <c:v>47.60403530895334</c:v>
                 </c:pt>
                 <c:pt idx="28">
-                  <c:v>46.15384615384615</c:v>
+                  <c:v>47.60403530895334</c:v>
                 </c:pt>
                 <c:pt idx="29">
-                  <c:v>46.40605296343001</c:v>
+                  <c:v>47.60403530895334</c:v>
                 </c:pt>
                 <c:pt idx="30">
-                  <c:v>47.22572509457755</c:v>
+                  <c:v>47.60403530895334</c:v>
                 </c:pt>
                 <c:pt idx="31">
-                  <c:v>49.30643127364439</c:v>
+                  <c:v>47.60403530895334</c:v>
                 </c:pt>
                 <c:pt idx="32">
-                  <c:v>49.11727616645649</c:v>
+                  <c:v>47.60403530895334</c:v>
                 </c:pt>
                 <c:pt idx="33">
-                  <c:v>48.80201765447667</c:v>
+                  <c:v>59.4577553593947</c:v>
                 </c:pt>
                 <c:pt idx="34">
-                  <c:v>49.36948297604035</c:v>
+                  <c:v>66.64564943253468</c:v>
                 </c:pt>
                 <c:pt idx="35">
-                  <c:v>63.36696090794452</c:v>
+                  <c:v>67.46532156368222</c:v>
                 </c:pt>
                 <c:pt idx="36">
+                  <c:v>63.99747793190416</c:v>
+                </c:pt>
+                <c:pt idx="37">
+                  <c:v>64.56494325346784</c:v>
+                </c:pt>
+                <c:pt idx="38">
+                  <c:v>65.13240857503152</c:v>
+                </c:pt>
+                <c:pt idx="39">
+                  <c:v>67.96973518284993</c:v>
+                </c:pt>
+                <c:pt idx="40">
+                  <c:v>68.34804539722572</c:v>
+                </c:pt>
+                <c:pt idx="41">
+                  <c:v>68.41109709962168</c:v>
+                </c:pt>
+                <c:pt idx="42">
                   <c:v>68.85245901639344</c:v>
                 </c:pt>
-                <c:pt idx="37">
-                  <c:v>69.48297604035309</c:v>
-                </c:pt>
-                <c:pt idx="38">
-                  <c:v>76.796973518285</c:v>
+                <c:pt idx="43">
+                  <c:v>64.9432534678436</c:v>
+                </c:pt>
+                <c:pt idx="44">
+                  <c:v>66.45649432534678</c:v>
+                </c:pt>
+                <c:pt idx="45">
+                  <c:v>66.70870113493065</c:v>
+                </c:pt>
+                <c:pt idx="46">
+                  <c:v>67.33921815889029</c:v>
+                </c:pt>
+                <c:pt idx="47">
+                  <c:v>68.47414880201765</c:v>
+                </c:pt>
+                <c:pt idx="48">
+                  <c:v>69.2938209331652</c:v>
+                </c:pt>
+                <c:pt idx="49">
+                  <c:v>69.79823455233291</c:v>
+                </c:pt>
+                <c:pt idx="50">
+                  <c:v>69.86128625472888</c:v>
+                </c:pt>
+                <c:pt idx="51">
+                  <c:v>70.30264817150064</c:v>
+                </c:pt>
+                <c:pt idx="52">
+                  <c:v>70.36569987389659</c:v>
+                </c:pt>
+                <c:pt idx="53">
+                  <c:v>70.74401008827238</c:v>
+                </c:pt>
+                <c:pt idx="54">
+                  <c:v>71.0592686002522</c:v>
+                </c:pt>
+                <c:pt idx="55">
+                  <c:v>71.31147540983606</c:v>
+                </c:pt>
+                <c:pt idx="56">
+                  <c:v>71.62673392181588</c:v>
+                </c:pt>
+                <c:pt idx="57">
+                  <c:v>71.68978562421185</c:v>
+                </c:pt>
+                <c:pt idx="58">
+                  <c:v>72.00504413619167</c:v>
+                </c:pt>
+                <c:pt idx="59">
+                  <c:v>72.06809583858764</c:v>
+                </c:pt>
+                <c:pt idx="60">
+                  <c:v>72.06809583858764</c:v>
+                </c:pt>
+                <c:pt idx="61">
+                  <c:v>72.32030264817151</c:v>
+                </c:pt>
+                <c:pt idx="62">
+                  <c:v>72.32030264817151</c:v>
+                </c:pt>
+                <c:pt idx="63">
+                  <c:v>72.63556116015133</c:v>
+                </c:pt>
+                <c:pt idx="64">
+                  <c:v>72.63556116015133</c:v>
+                </c:pt>
+                <c:pt idx="65">
+                  <c:v>72.88776796973517</c:v>
+                </c:pt>
+                <c:pt idx="66">
+                  <c:v>72.88776796973517</c:v>
+                </c:pt>
+                <c:pt idx="67">
+                  <c:v>72.95081967213114</c:v>
+                </c:pt>
+                <c:pt idx="68">
+                  <c:v>72.95081967213114</c:v>
+                </c:pt>
+                <c:pt idx="69">
+                  <c:v>73.26607818411097</c:v>
+                </c:pt>
+                <c:pt idx="70">
+                  <c:v>73.26607818411097</c:v>
+                </c:pt>
+                <c:pt idx="71">
+                  <c:v>73.26607818411097</c:v>
+                </c:pt>
+                <c:pt idx="72">
+                  <c:v>73.26607818411097</c:v>
+                </c:pt>
+                <c:pt idx="73">
+                  <c:v>73.32912988650693</c:v>
+                </c:pt>
+                <c:pt idx="74">
+                  <c:v>73.3921815889029</c:v>
+                </c:pt>
+                <c:pt idx="75">
+                  <c:v>73.3921815889029</c:v>
+                </c:pt>
+                <c:pt idx="76">
+                  <c:v>74.77931904161413</c:v>
+                </c:pt>
+                <c:pt idx="77">
+                  <c:v>75.15762925598991</c:v>
+                </c:pt>
+                <c:pt idx="78">
+                  <c:v>75.15762925598991</c:v>
+                </c:pt>
+                <c:pt idx="79">
+                  <c:v>75.15762925598991</c:v>
+                </c:pt>
+                <c:pt idx="80">
+                  <c:v>75.28373266078184</c:v>
+                </c:pt>
+                <c:pt idx="81">
+                  <c:v>75.28373266078184</c:v>
+                </c:pt>
+                <c:pt idx="82">
+                  <c:v>75.28373266078184</c:v>
+                </c:pt>
+                <c:pt idx="83">
+                  <c:v>75.28373266078184</c:v>
+                </c:pt>
+                <c:pt idx="84">
+                  <c:v>75.40983606557377</c:v>
+                </c:pt>
+                <c:pt idx="85">
+                  <c:v>75.40983606557377</c:v>
+                </c:pt>
+                <c:pt idx="86">
+                  <c:v>75.40983606557377</c:v>
+                </c:pt>
+                <c:pt idx="87">
+                  <c:v>75.40983606557377</c:v>
+                </c:pt>
+                <c:pt idx="88">
+                  <c:v>75.40983606557377</c:v>
+                </c:pt>
+                <c:pt idx="89">
+                  <c:v>75.47288776796974</c:v>
+                </c:pt>
+                <c:pt idx="90">
+                  <c:v>75.47288776796974</c:v>
+                </c:pt>
+                <c:pt idx="91">
+                  <c:v>75.47288776796974</c:v>
+                </c:pt>
+                <c:pt idx="92">
+                  <c:v>75.59899117276167</c:v>
+                </c:pt>
+                <c:pt idx="93">
+                  <c:v>75.66204287515762</c:v>
+                </c:pt>
+                <c:pt idx="94">
+                  <c:v>75.72509457755359</c:v>
+                </c:pt>
+                <c:pt idx="95">
+                  <c:v>75.03152585119798</c:v>
+                </c:pt>
+                <c:pt idx="96">
+                  <c:v>75.28373266078184</c:v>
+                </c:pt>
+                <c:pt idx="97">
+                  <c:v>75.3467843631778</c:v>
+                </c:pt>
+                <c:pt idx="98">
+                  <c:v>75.40983606557377</c:v>
+                </c:pt>
+                <c:pt idx="99">
+                  <c:v>75.47288776796974</c:v>
+                </c:pt>
+                <c:pt idx="100">
+                  <c:v>75.59899117276167</c:v>
+                </c:pt>
+                <c:pt idx="101">
+                  <c:v>75.72509457755359</c:v>
+                </c:pt>
+                <c:pt idx="102">
+                  <c:v>75.78814627994955</c:v>
+                </c:pt>
+                <c:pt idx="103">
+                  <c:v>75.9142496847415</c:v>
+                </c:pt>
+                <c:pt idx="104">
+                  <c:v>75.97730138713745</c:v>
+                </c:pt>
+                <c:pt idx="105">
+                  <c:v>76.22950819672131</c:v>
+                </c:pt>
+                <c:pt idx="106">
+                  <c:v>76.48171500630516</c:v>
+                </c:pt>
+                <c:pt idx="107">
+                  <c:v>76.98612862547288</c:v>
+                </c:pt>
+                <c:pt idx="108">
+                  <c:v>81.52585119798235</c:v>
+                </c:pt>
+                <c:pt idx="109">
+                  <c:v>82.09331651954602</c:v>
+                </c:pt>
+                <c:pt idx="110">
+                  <c:v>81.9672131147541</c:v>
+                </c:pt>
+                <c:pt idx="111">
+                  <c:v>81.84110970996216</c:v>
+                </c:pt>
+                <c:pt idx="112">
+                  <c:v>82.34552332912988</c:v>
+                </c:pt>
+                <c:pt idx="113">
+                  <c:v>82.47162673392181</c:v>
+                </c:pt>
+                <c:pt idx="114">
+                  <c:v>83.29129886506935</c:v>
+                </c:pt>
+                <c:pt idx="115">
+                  <c:v>83.921815889029</c:v>
+                </c:pt>
+                <c:pt idx="116">
+                  <c:v>84.17402269861285</c:v>
+                </c:pt>
+                <c:pt idx="117">
+                  <c:v>84.23707440100882</c:v>
+                </c:pt>
+                <c:pt idx="118">
+                  <c:v>84.42622950819672</c:v>
+                </c:pt>
+                <c:pt idx="119">
+                  <c:v>84.86759142496848</c:v>
+                </c:pt>
+                <c:pt idx="120">
+                  <c:v>84.86759142496848</c:v>
+                </c:pt>
+                <c:pt idx="121">
+                  <c:v>84.93064312736443</c:v>
+                </c:pt>
+                <c:pt idx="122">
+                  <c:v>84.9936948297604</c:v>
+                </c:pt>
+                <c:pt idx="123">
+                  <c:v>84.9936948297604</c:v>
+                </c:pt>
+                <c:pt idx="124">
+                  <c:v>85.11979823455233</c:v>
+                </c:pt>
+                <c:pt idx="125">
+                  <c:v>85.37200504413619</c:v>
+                </c:pt>
+                <c:pt idx="126">
+                  <c:v>85.1828499369483</c:v>
+                </c:pt>
+                <c:pt idx="127">
+                  <c:v>85.43505674653215</c:v>
+                </c:pt>
+                <c:pt idx="128">
+                  <c:v>85.62421185372006</c:v>
+                </c:pt>
+                <c:pt idx="129">
+                  <c:v>85.62421185372006</c:v>
+                </c:pt>
+                <c:pt idx="130">
+                  <c:v>85.62421185372006</c:v>
+                </c:pt>
+                <c:pt idx="131">
+                  <c:v>85.75031525851197</c:v>
+                </c:pt>
+                <c:pt idx="132">
+                  <c:v>86.2547288776797</c:v>
+                </c:pt>
+                <c:pt idx="133">
+                  <c:v>86.2547288776797</c:v>
+                </c:pt>
+                <c:pt idx="134">
+                  <c:v>86.2547288776797</c:v>
+                </c:pt>
+                <c:pt idx="135">
+                  <c:v>86.2547288776797</c:v>
+                </c:pt>
+                <c:pt idx="136">
+                  <c:v>86.2547288776797</c:v>
+                </c:pt>
+                <c:pt idx="137">
+                  <c:v>86.63303909205548</c:v>
+                </c:pt>
+                <c:pt idx="138">
+                  <c:v>86.63303909205548</c:v>
+                </c:pt>
+                <c:pt idx="139">
+                  <c:v>86.63303909205548</c:v>
+                </c:pt>
+                <c:pt idx="140">
+                  <c:v>86.63303909205548</c:v>
+                </c:pt>
+                <c:pt idx="141">
+                  <c:v>86.69609079445145</c:v>
+                </c:pt>
+                <c:pt idx="142">
+                  <c:v>86.9482976040353</c:v>
+                </c:pt>
+                <c:pt idx="143">
+                  <c:v>87.32660781841109</c:v>
+                </c:pt>
+                <c:pt idx="144">
+                  <c:v>87.38965952080705</c:v>
+                </c:pt>
+                <c:pt idx="145">
+                  <c:v>53.46784363177806</c:v>
+                </c:pt>
+                <c:pt idx="146">
+                  <c:v>53.53089533417401</c:v>
+                </c:pt>
+                <c:pt idx="147">
+                  <c:v>64.69104665825978</c:v>
+                </c:pt>
+                <c:pt idx="148">
+                  <c:v>84.93064312736443</c:v>
+                </c:pt>
+                <c:pt idx="149">
+                  <c:v>84.9936948297604</c:v>
+                </c:pt>
+                <c:pt idx="150">
+                  <c:v>85.30895334174022</c:v>
+                </c:pt>
+                <c:pt idx="151">
+                  <c:v>85.37200504413619</c:v>
+                </c:pt>
+                <c:pt idx="152">
+                  <c:v>85.37200504413619</c:v>
+                </c:pt>
+                <c:pt idx="153">
+                  <c:v>85.49810844892812</c:v>
+                </c:pt>
+                <c:pt idx="154">
+                  <c:v>85.56116015132408</c:v>
+                </c:pt>
+                <c:pt idx="155">
+                  <c:v>85.56116015132408</c:v>
+                </c:pt>
+                <c:pt idx="156">
+                  <c:v>85.56116015132408</c:v>
+                </c:pt>
+                <c:pt idx="157">
+                  <c:v>85.56116015132408</c:v>
+                </c:pt>
+                <c:pt idx="158">
+                  <c:v>85.56116015132408</c:v>
+                </c:pt>
+                <c:pt idx="159">
+                  <c:v>85.56116015132408</c:v>
+                </c:pt>
+                <c:pt idx="160">
+                  <c:v>85.687263556116</c:v>
+                </c:pt>
+                <c:pt idx="161">
+                  <c:v>85.93947036569988</c:v>
+                </c:pt>
+                <c:pt idx="162">
+                  <c:v>85.93947036569988</c:v>
+                </c:pt>
+                <c:pt idx="163">
+                  <c:v>86.00252206809584</c:v>
+                </c:pt>
+                <c:pt idx="164">
+                  <c:v>75.03152585119798</c:v>
+                </c:pt>
+                <c:pt idx="165">
+                  <c:v>86.2547288776797</c:v>
+                </c:pt>
+                <c:pt idx="166">
+                  <c:v>86.2547288776797</c:v>
+                </c:pt>
+                <c:pt idx="167">
+                  <c:v>86.50693568726354</c:v>
+                </c:pt>
+                <c:pt idx="168">
+                  <c:v>86.4438839848676</c:v>
+                </c:pt>
+                <c:pt idx="169">
+                  <c:v>86.56998738965952</c:v>
+                </c:pt>
+                <c:pt idx="170">
+                  <c:v>86.88524590163935</c:v>
+                </c:pt>
+                <c:pt idx="171">
+                  <c:v>86.88524590163935</c:v>
+                </c:pt>
+                <c:pt idx="172">
+                  <c:v>86.88524590163935</c:v>
+                </c:pt>
+                <c:pt idx="173">
+                  <c:v>81.0844892812106</c:v>
+                </c:pt>
+                <c:pt idx="174">
+                  <c:v>81.0844892812106</c:v>
+                </c:pt>
+                <c:pt idx="175">
+                  <c:v>88.52459016393442</c:v>
+                </c:pt>
+                <c:pt idx="176">
+                  <c:v>90.10088272383355</c:v>
                 </c:pt>
               </c:numCache>
             </c:numRef>
@@ -411,200 +2713,22 @@
         </c:ser>
         <c:ser>
           <c:idx val="0"/>
-          <c:order val="0"/>
+          <c:order val="3"/>
           <c:tx>
-            <c:v>Random</c:v>
+            <c:strRef>
+              <c:f>'soda-90%'!$AF$1</c:f>
+              <c:strCache>
+                <c:ptCount val="1"/>
+                <c:pt idx="0">
+                  <c:v>Self Correcting</c:v>
+                </c:pt>
+              </c:strCache>
+            </c:strRef>
           </c:tx>
           <c:spPr>
             <a:ln w="19050" cmpd="sng">
               <a:solidFill>
-                <a:srgbClr val="000000"/>
-              </a:solidFill>
-            </a:ln>
-          </c:spPr>
-          <c:marker>
-            <c:symbol val="none"/>
-          </c:marker>
-          <c:xVal>
-            <c:numRef>
-              <c:f>'soda-70%'!$A$2:$A$56</c:f>
-              <c:numCache>
-                <c:formatCode>General</c:formatCode>
-                <c:ptCount val="55"/>
-                <c:pt idx="0">
-                  <c:v>0.0</c:v>
-                </c:pt>
-                <c:pt idx="1">
-                  <c:v>1.0</c:v>
-                </c:pt>
-                <c:pt idx="2">
-                  <c:v>2.0</c:v>
-                </c:pt>
-                <c:pt idx="3">
-                  <c:v>3.0</c:v>
-                </c:pt>
-                <c:pt idx="4">
-                  <c:v>4.0</c:v>
-                </c:pt>
-                <c:pt idx="5">
-                  <c:v>5.0</c:v>
-                </c:pt>
-                <c:pt idx="6">
-                  <c:v>6.0</c:v>
-                </c:pt>
-                <c:pt idx="7">
-                  <c:v>7.0</c:v>
-                </c:pt>
-                <c:pt idx="8">
-                  <c:v>8.0</c:v>
-                </c:pt>
-                <c:pt idx="9">
-                  <c:v>9.0</c:v>
-                </c:pt>
-                <c:pt idx="10">
-                  <c:v>10.0</c:v>
-                </c:pt>
-                <c:pt idx="11">
-                  <c:v>11.0</c:v>
-                </c:pt>
-                <c:pt idx="12">
-                  <c:v>12.0</c:v>
-                </c:pt>
-                <c:pt idx="13">
-                  <c:v>13.0</c:v>
-                </c:pt>
-                <c:pt idx="14">
-                  <c:v>14.0</c:v>
-                </c:pt>
-                <c:pt idx="15">
-                  <c:v>15.0</c:v>
-                </c:pt>
-                <c:pt idx="16">
-                  <c:v>16.0</c:v>
-                </c:pt>
-                <c:pt idx="17">
-                  <c:v>17.0</c:v>
-                </c:pt>
-                <c:pt idx="18">
-                  <c:v>18.0</c:v>
-                </c:pt>
-                <c:pt idx="19">
-                  <c:v>19.0</c:v>
-                </c:pt>
-                <c:pt idx="20">
-                  <c:v>20.0</c:v>
-                </c:pt>
-                <c:pt idx="21">
-                  <c:v>21.0</c:v>
-                </c:pt>
-                <c:pt idx="22">
-                  <c:v>22.0</c:v>
-                </c:pt>
-                <c:pt idx="23">
-                  <c:v>23.0</c:v>
-                </c:pt>
-                <c:pt idx="24">
-                  <c:v>24.0</c:v>
-                </c:pt>
-              </c:numCache>
-            </c:numRef>
-          </c:xVal>
-          <c:yVal>
-            <c:numRef>
-              <c:f>'soda-70%'!$B$2:$B$56</c:f>
-              <c:numCache>
-                <c:formatCode>General</c:formatCode>
-                <c:ptCount val="55"/>
-                <c:pt idx="0">
-                  <c:v>0.0</c:v>
-                </c:pt>
-                <c:pt idx="1">
-                  <c:v>0.0</c:v>
-                </c:pt>
-                <c:pt idx="2">
-                  <c:v>12.10592686002522</c:v>
-                </c:pt>
-                <c:pt idx="3">
-                  <c:v>23.3921815889029</c:v>
-                </c:pt>
-                <c:pt idx="4">
-                  <c:v>23.64438839848676</c:v>
-                </c:pt>
-                <c:pt idx="5">
-                  <c:v>35.62421185372005</c:v>
-                </c:pt>
-                <c:pt idx="6">
-                  <c:v>34.17402269861286</c:v>
-                </c:pt>
-                <c:pt idx="7">
-                  <c:v>36.00252206809583</c:v>
-                </c:pt>
-                <c:pt idx="8">
-                  <c:v>36.69609079445145</c:v>
-                </c:pt>
-                <c:pt idx="9">
-                  <c:v>47.8562421185372</c:v>
-                </c:pt>
-                <c:pt idx="10">
-                  <c:v>53.84615384615384</c:v>
-                </c:pt>
-                <c:pt idx="11">
-                  <c:v>54.2875157629256</c:v>
-                </c:pt>
-                <c:pt idx="12">
-                  <c:v>54.41361916771753</c:v>
-                </c:pt>
-                <c:pt idx="13">
-                  <c:v>54.35056746532156</c:v>
-                </c:pt>
-                <c:pt idx="14">
-                  <c:v>54.66582597730139</c:v>
-                </c:pt>
-                <c:pt idx="15">
-                  <c:v>54.79192938209331</c:v>
-                </c:pt>
-                <c:pt idx="16">
-                  <c:v>58.13366960907945</c:v>
-                </c:pt>
-                <c:pt idx="17">
-                  <c:v>61.28625472887768</c:v>
-                </c:pt>
-                <c:pt idx="18">
-                  <c:v>62.48423707440101</c:v>
-                </c:pt>
-                <c:pt idx="19">
-                  <c:v>63.05170239596469</c:v>
-                </c:pt>
-                <c:pt idx="20">
-                  <c:v>63.7452711223203</c:v>
-                </c:pt>
-                <c:pt idx="21">
-                  <c:v>64.0605296343001</c:v>
-                </c:pt>
-                <c:pt idx="22">
-                  <c:v>62.92559899117276</c:v>
-                </c:pt>
-                <c:pt idx="23">
-                  <c:v>63.17780580075662</c:v>
-                </c:pt>
-                <c:pt idx="24">
-                  <c:v>75.15762925598991</c:v>
-                </c:pt>
-              </c:numCache>
-            </c:numRef>
-          </c:yVal>
-          <c:smooth val="1"/>
-        </c:ser>
-        <c:ser>
-          <c:idx val="2"/>
-          <c:order val="2"/>
-          <c:tx>
-            <c:v>MaxRemaining</c:v>
-          </c:tx>
-          <c:spPr>
-            <a:ln w="12700" cmpd="sng">
-              <a:solidFill>
-                <a:sysClr val="windowText" lastClr="000000"/>
+                <a:srgbClr val="008000"/>
               </a:solidFill>
               <a:prstDash val="dot"/>
             </a:ln>
@@ -614,10 +2738,10 @@
           </c:marker>
           <c:xVal>
             <c:numRef>
-              <c:f>'soda-70%'!$U$2:$U$56</c:f>
+              <c:f>'soda-90%'!$AE$2:$AE$178</c:f>
               <c:numCache>
                 <c:formatCode>General</c:formatCode>
-                <c:ptCount val="55"/>
+                <c:ptCount val="177"/>
                 <c:pt idx="0">
                   <c:v>0.0</c:v>
                 </c:pt>
@@ -782,16 +2906,241 @@
                 </c:pt>
                 <c:pt idx="54">
                   <c:v>54.0</c:v>
+                </c:pt>
+                <c:pt idx="55">
+                  <c:v>55.0</c:v>
+                </c:pt>
+                <c:pt idx="56">
+                  <c:v>56.0</c:v>
+                </c:pt>
+                <c:pt idx="57">
+                  <c:v>57.0</c:v>
+                </c:pt>
+                <c:pt idx="58">
+                  <c:v>58.0</c:v>
+                </c:pt>
+                <c:pt idx="59">
+                  <c:v>59.0</c:v>
+                </c:pt>
+                <c:pt idx="60">
+                  <c:v>60.0</c:v>
+                </c:pt>
+                <c:pt idx="61">
+                  <c:v>61.0</c:v>
+                </c:pt>
+                <c:pt idx="62">
+                  <c:v>62.0</c:v>
+                </c:pt>
+                <c:pt idx="63">
+                  <c:v>63.0</c:v>
+                </c:pt>
+                <c:pt idx="64">
+                  <c:v>64.0</c:v>
+                </c:pt>
+                <c:pt idx="65">
+                  <c:v>65.0</c:v>
+                </c:pt>
+                <c:pt idx="66">
+                  <c:v>66.0</c:v>
+                </c:pt>
+                <c:pt idx="67">
+                  <c:v>67.0</c:v>
+                </c:pt>
+                <c:pt idx="68">
+                  <c:v>68.0</c:v>
+                </c:pt>
+                <c:pt idx="69">
+                  <c:v>69.0</c:v>
+                </c:pt>
+                <c:pt idx="70">
+                  <c:v>70.0</c:v>
+                </c:pt>
+                <c:pt idx="71">
+                  <c:v>71.0</c:v>
+                </c:pt>
+                <c:pt idx="72">
+                  <c:v>72.0</c:v>
+                </c:pt>
+                <c:pt idx="73">
+                  <c:v>73.0</c:v>
+                </c:pt>
+                <c:pt idx="74">
+                  <c:v>74.0</c:v>
+                </c:pt>
+                <c:pt idx="75">
+                  <c:v>75.0</c:v>
+                </c:pt>
+                <c:pt idx="76">
+                  <c:v>76.0</c:v>
+                </c:pt>
+                <c:pt idx="77">
+                  <c:v>77.0</c:v>
+                </c:pt>
+                <c:pt idx="78">
+                  <c:v>78.0</c:v>
+                </c:pt>
+                <c:pt idx="79">
+                  <c:v>79.0</c:v>
+                </c:pt>
+                <c:pt idx="80">
+                  <c:v>80.0</c:v>
+                </c:pt>
+                <c:pt idx="81">
+                  <c:v>81.0</c:v>
+                </c:pt>
+                <c:pt idx="82">
+                  <c:v>82.0</c:v>
+                </c:pt>
+                <c:pt idx="83">
+                  <c:v>83.0</c:v>
+                </c:pt>
+                <c:pt idx="84">
+                  <c:v>84.0</c:v>
+                </c:pt>
+                <c:pt idx="85">
+                  <c:v>85.0</c:v>
+                </c:pt>
+                <c:pt idx="86">
+                  <c:v>86.0</c:v>
+                </c:pt>
+                <c:pt idx="87">
+                  <c:v>87.0</c:v>
+                </c:pt>
+                <c:pt idx="88">
+                  <c:v>88.0</c:v>
+                </c:pt>
+                <c:pt idx="89">
+                  <c:v>89.0</c:v>
+                </c:pt>
+                <c:pt idx="90">
+                  <c:v>90.0</c:v>
+                </c:pt>
+                <c:pt idx="91">
+                  <c:v>91.0</c:v>
+                </c:pt>
+                <c:pt idx="92">
+                  <c:v>92.0</c:v>
+                </c:pt>
+                <c:pt idx="93">
+                  <c:v>93.0</c:v>
+                </c:pt>
+                <c:pt idx="94">
+                  <c:v>94.0</c:v>
+                </c:pt>
+                <c:pt idx="95">
+                  <c:v>95.0</c:v>
+                </c:pt>
+                <c:pt idx="96">
+                  <c:v>96.0</c:v>
+                </c:pt>
+                <c:pt idx="97">
+                  <c:v>97.0</c:v>
+                </c:pt>
+                <c:pt idx="98">
+                  <c:v>98.0</c:v>
+                </c:pt>
+                <c:pt idx="99">
+                  <c:v>99.0</c:v>
+                </c:pt>
+                <c:pt idx="100">
+                  <c:v>100.0</c:v>
+                </c:pt>
+                <c:pt idx="101">
+                  <c:v>101.0</c:v>
+                </c:pt>
+                <c:pt idx="102">
+                  <c:v>102.0</c:v>
+                </c:pt>
+                <c:pt idx="103">
+                  <c:v>103.0</c:v>
+                </c:pt>
+                <c:pt idx="104">
+                  <c:v>104.0</c:v>
+                </c:pt>
+                <c:pt idx="105">
+                  <c:v>105.0</c:v>
+                </c:pt>
+                <c:pt idx="106">
+                  <c:v>106.0</c:v>
+                </c:pt>
+                <c:pt idx="107">
+                  <c:v>107.0</c:v>
+                </c:pt>
+                <c:pt idx="108">
+                  <c:v>108.0</c:v>
+                </c:pt>
+                <c:pt idx="109">
+                  <c:v>109.0</c:v>
+                </c:pt>
+                <c:pt idx="110">
+                  <c:v>110.0</c:v>
+                </c:pt>
+                <c:pt idx="111">
+                  <c:v>111.0</c:v>
+                </c:pt>
+                <c:pt idx="112">
+                  <c:v>112.0</c:v>
+                </c:pt>
+                <c:pt idx="113">
+                  <c:v>113.0</c:v>
+                </c:pt>
+                <c:pt idx="114">
+                  <c:v>114.0</c:v>
+                </c:pt>
+                <c:pt idx="115">
+                  <c:v>115.0</c:v>
+                </c:pt>
+                <c:pt idx="116">
+                  <c:v>116.0</c:v>
+                </c:pt>
+                <c:pt idx="117">
+                  <c:v>117.0</c:v>
+                </c:pt>
+                <c:pt idx="118">
+                  <c:v>118.0</c:v>
+                </c:pt>
+                <c:pt idx="119">
+                  <c:v>119.0</c:v>
+                </c:pt>
+                <c:pt idx="120">
+                  <c:v>120.0</c:v>
+                </c:pt>
+                <c:pt idx="121">
+                  <c:v>121.0</c:v>
+                </c:pt>
+                <c:pt idx="122">
+                  <c:v>122.0</c:v>
+                </c:pt>
+                <c:pt idx="123">
+                  <c:v>123.0</c:v>
+                </c:pt>
+                <c:pt idx="124">
+                  <c:v>124.0</c:v>
+                </c:pt>
+                <c:pt idx="125">
+                  <c:v>125.0</c:v>
+                </c:pt>
+                <c:pt idx="126">
+                  <c:v>126.0</c:v>
+                </c:pt>
+                <c:pt idx="127">
+                  <c:v>127.0</c:v>
+                </c:pt>
+                <c:pt idx="128">
+                  <c:v>128.0</c:v>
+                </c:pt>
+                <c:pt idx="129">
+                  <c:v>129.0</c:v>
                 </c:pt>
               </c:numCache>
             </c:numRef>
           </c:xVal>
           <c:yVal>
             <c:numRef>
-              <c:f>'soda-70%'!$V$2:$V$56</c:f>
+              <c:f>'soda-90%'!$AF$2:$AF$178</c:f>
               <c:numCache>
                 <c:formatCode>General</c:formatCode>
-                <c:ptCount val="55"/>
+                <c:ptCount val="177"/>
                 <c:pt idx="0">
                   <c:v>0.0</c:v>
                 </c:pt>
@@ -802,160 +3151,385 @@
                   <c:v>12.10592686002522</c:v>
                 </c:pt>
                 <c:pt idx="3">
-                  <c:v>11.41235813366961</c:v>
+                  <c:v>12.79949558638083</c:v>
                 </c:pt>
                 <c:pt idx="4">
-                  <c:v>11.72761664564943</c:v>
+                  <c:v>13.0517023959647</c:v>
                 </c:pt>
                 <c:pt idx="5">
-                  <c:v>11.85372005044136</c:v>
+                  <c:v>13.49306431273644</c:v>
                 </c:pt>
                 <c:pt idx="6">
-                  <c:v>12.92559899117276</c:v>
+                  <c:v>14.37578814627995</c:v>
                 </c:pt>
                 <c:pt idx="7">
-                  <c:v>12.98865069356873</c:v>
+                  <c:v>14.31273644388398</c:v>
                 </c:pt>
                 <c:pt idx="8">
-                  <c:v>13.36696090794451</c:v>
+                  <c:v>14.1235813366961</c:v>
                 </c:pt>
                 <c:pt idx="9">
-                  <c:v>13.43001261034048</c:v>
+                  <c:v>14.37578814627995</c:v>
                 </c:pt>
                 <c:pt idx="10">
-                  <c:v>14.31273644388398</c:v>
+                  <c:v>14.75409836065574</c:v>
                 </c:pt>
                 <c:pt idx="11">
-                  <c:v>20.68095838587642</c:v>
+                  <c:v>14.8171500630517</c:v>
                 </c:pt>
                 <c:pt idx="12">
-                  <c:v>20.74401008827238</c:v>
+                  <c:v>14.8171500630517</c:v>
                 </c:pt>
                 <c:pt idx="13">
-                  <c:v>21.75283732660782</c:v>
+                  <c:v>26.16645649432535</c:v>
                 </c:pt>
                 <c:pt idx="14">
-                  <c:v>21.94199243379571</c:v>
+                  <c:v>26.6078184110971</c:v>
                 </c:pt>
                 <c:pt idx="15">
-                  <c:v>23.51828499369483</c:v>
+                  <c:v>27.4905422446406</c:v>
                 </c:pt>
                 <c:pt idx="16">
-                  <c:v>23.64438839848676</c:v>
+                  <c:v>28.05800756620429</c:v>
                 </c:pt>
                 <c:pt idx="17">
-                  <c:v>23.64438839848676</c:v>
+                  <c:v>29.6343001261034</c:v>
                 </c:pt>
                 <c:pt idx="18">
-                  <c:v>23.64438839848676</c:v>
+                  <c:v>44.89281210592685</c:v>
                 </c:pt>
                 <c:pt idx="19">
-                  <c:v>23.64438839848676</c:v>
+                  <c:v>45.20807061790669</c:v>
                 </c:pt>
                 <c:pt idx="20">
-                  <c:v>23.64438839848676</c:v>
+                  <c:v>52.64817150063052</c:v>
                 </c:pt>
                 <c:pt idx="21">
-                  <c:v>23.64438839848676</c:v>
+                  <c:v>52.90037831021438</c:v>
                 </c:pt>
                 <c:pt idx="22">
-                  <c:v>23.64438839848676</c:v>
+                  <c:v>52.90037831021438</c:v>
                 </c:pt>
                 <c:pt idx="23">
-                  <c:v>23.64438839848676</c:v>
+                  <c:v>52.90037831021438</c:v>
                 </c:pt>
                 <c:pt idx="24">
-                  <c:v>23.64438839848676</c:v>
+                  <c:v>52.90037831021438</c:v>
                 </c:pt>
                 <c:pt idx="25">
-                  <c:v>23.64438839848676</c:v>
+                  <c:v>52.90037831021438</c:v>
                 </c:pt>
                 <c:pt idx="26">
-                  <c:v>23.64438839848676</c:v>
+                  <c:v>52.90037831021438</c:v>
                 </c:pt>
                 <c:pt idx="27">
-                  <c:v>23.64438839848676</c:v>
+                  <c:v>52.90037831021438</c:v>
                 </c:pt>
                 <c:pt idx="28">
-                  <c:v>23.64438839848676</c:v>
+                  <c:v>52.90037831021438</c:v>
                 </c:pt>
                 <c:pt idx="29">
-                  <c:v>23.64438839848676</c:v>
+                  <c:v>52.90037831021438</c:v>
                 </c:pt>
                 <c:pt idx="30">
-                  <c:v>24.21185372005044</c:v>
+                  <c:v>53.15258511979823</c:v>
                 </c:pt>
                 <c:pt idx="31">
-                  <c:v>20.74401008827238</c:v>
+                  <c:v>53.34174022698613</c:v>
                 </c:pt>
                 <c:pt idx="32">
-                  <c:v>20.68095838587642</c:v>
+                  <c:v>53.59394703656998</c:v>
                 </c:pt>
                 <c:pt idx="33">
-                  <c:v>21.2484237074401</c:v>
+                  <c:v>53.78310214375787</c:v>
                 </c:pt>
                 <c:pt idx="34">
-                  <c:v>20.93316519546028</c:v>
+                  <c:v>53.97225725094577</c:v>
                 </c:pt>
                 <c:pt idx="35">
-                  <c:v>21.2484237074401</c:v>
+                  <c:v>54.2875157629256</c:v>
                 </c:pt>
                 <c:pt idx="36">
-                  <c:v>21.31147540983606</c:v>
+                  <c:v>55.1702395964691</c:v>
                 </c:pt>
                 <c:pt idx="37">
-                  <c:v>21.87894073139975</c:v>
+                  <c:v>55.7377049180328</c:v>
                 </c:pt>
                 <c:pt idx="38">
-                  <c:v>21.75283732660782</c:v>
+                  <c:v>55.7377049180328</c:v>
                 </c:pt>
                 <c:pt idx="39">
-                  <c:v>22.06809583858764</c:v>
+                  <c:v>55.80075662042874</c:v>
                 </c:pt>
                 <c:pt idx="40">
-                  <c:v>22.1311475409836</c:v>
+                  <c:v>55.98991172761664</c:v>
                 </c:pt>
                 <c:pt idx="41">
-                  <c:v>22.5094577553594</c:v>
+                  <c:v>56.17906683480454</c:v>
                 </c:pt>
                 <c:pt idx="42">
-                  <c:v>22.76166456494325</c:v>
+                  <c:v>56.17906683480454</c:v>
                 </c:pt>
                 <c:pt idx="43">
-                  <c:v>23.26607818411097</c:v>
+                  <c:v>56.17906683480454</c:v>
                 </c:pt>
                 <c:pt idx="44">
-                  <c:v>23.89659520807062</c:v>
+                  <c:v>56.17906683480454</c:v>
                 </c:pt>
                 <c:pt idx="45">
-                  <c:v>24.65321563682219</c:v>
+                  <c:v>56.4312736443884</c:v>
                 </c:pt>
                 <c:pt idx="46">
-                  <c:v>24.90542244640605</c:v>
+                  <c:v>55.80075662042874</c:v>
                 </c:pt>
                 <c:pt idx="47">
-                  <c:v>24.96847414880202</c:v>
+                  <c:v>56.55737704918032</c:v>
                 </c:pt>
                 <c:pt idx="48">
-                  <c:v>25.47288776796973</c:v>
+                  <c:v>56.11601513240857</c:v>
                 </c:pt>
                 <c:pt idx="49">
-                  <c:v>25.78814627994956</c:v>
+                  <c:v>56.87263556116015</c:v>
                 </c:pt>
                 <c:pt idx="50">
-                  <c:v>43.69482976040353</c:v>
+                  <c:v>56.99873896595207</c:v>
                 </c:pt>
                 <c:pt idx="51">
-                  <c:v>44.32534678436318</c:v>
+                  <c:v>56.99873896595207</c:v>
                 </c:pt>
                 <c:pt idx="52">
-                  <c:v>56.93568726355612</c:v>
+                  <c:v>57.06179066834805</c:v>
                 </c:pt>
                 <c:pt idx="53">
-                  <c:v>69.1046658259773</c:v>
+                  <c:v>69.67213114754098</c:v>
                 </c:pt>
                 <c:pt idx="54">
-                  <c:v>71.94199243379571</c:v>
+                  <c:v>74.84237074401008</c:v>
+                </c:pt>
+                <c:pt idx="55">
+                  <c:v>73.77049180327869</c:v>
+                </c:pt>
+                <c:pt idx="56">
+                  <c:v>79.00378310214376</c:v>
+                </c:pt>
+                <c:pt idx="57">
+                  <c:v>79.06683480453972</c:v>
+                </c:pt>
+                <c:pt idx="58">
+                  <c:v>79.88650693568727</c:v>
+                </c:pt>
+                <c:pt idx="59">
+                  <c:v>80.0126103404792</c:v>
+                </c:pt>
+                <c:pt idx="60">
+                  <c:v>79.94955863808323</c:v>
+                </c:pt>
+                <c:pt idx="61">
+                  <c:v>80.26481715006305</c:v>
+                </c:pt>
+                <c:pt idx="62">
+                  <c:v>80.26481715006305</c:v>
+                </c:pt>
+                <c:pt idx="63">
+                  <c:v>80.58007566204287</c:v>
+                </c:pt>
+                <c:pt idx="64">
+                  <c:v>80.58007566204287</c:v>
+                </c:pt>
+                <c:pt idx="65">
+                  <c:v>77.80580075662043</c:v>
+                </c:pt>
+                <c:pt idx="66">
+                  <c:v>80.83228247162674</c:v>
+                </c:pt>
+                <c:pt idx="67">
+                  <c:v>81.0844892812106</c:v>
+                </c:pt>
+                <c:pt idx="68">
+                  <c:v>81.58890290037831</c:v>
+                </c:pt>
+                <c:pt idx="69">
+                  <c:v>82.03026481715007</c:v>
+                </c:pt>
+                <c:pt idx="70">
+                  <c:v>82.21941992433795</c:v>
+                </c:pt>
+                <c:pt idx="71">
+                  <c:v>82.21941992433795</c:v>
+                </c:pt>
+                <c:pt idx="72">
+                  <c:v>82.40857503152586</c:v>
+                </c:pt>
+                <c:pt idx="73">
+                  <c:v>82.40857503152586</c:v>
+                </c:pt>
+                <c:pt idx="74">
+                  <c:v>82.40857503152586</c:v>
+                </c:pt>
+                <c:pt idx="75">
+                  <c:v>82.34552332912988</c:v>
+                </c:pt>
+                <c:pt idx="76">
+                  <c:v>82.40857503152586</c:v>
+                </c:pt>
+                <c:pt idx="77">
+                  <c:v>82.53467843631777</c:v>
+                </c:pt>
+                <c:pt idx="78">
+                  <c:v>82.53467843631777</c:v>
+                </c:pt>
+                <c:pt idx="79">
+                  <c:v>82.40857503152586</c:v>
+                </c:pt>
+                <c:pt idx="80">
+                  <c:v>82.72383354350568</c:v>
+                </c:pt>
+                <c:pt idx="81">
+                  <c:v>82.97604035308953</c:v>
+                </c:pt>
+                <c:pt idx="82">
+                  <c:v>82.97604035308953</c:v>
+                </c:pt>
+                <c:pt idx="83">
+                  <c:v>83.29129886506935</c:v>
+                </c:pt>
+                <c:pt idx="84">
+                  <c:v>83.41740226986128</c:v>
+                </c:pt>
+                <c:pt idx="85">
+                  <c:v>83.54350567465321</c:v>
+                </c:pt>
+                <c:pt idx="86">
+                  <c:v>83.60655737704919</c:v>
+                </c:pt>
+                <c:pt idx="87">
+                  <c:v>83.35435056746532</c:v>
+                </c:pt>
+                <c:pt idx="88">
+                  <c:v>83.41740226986128</c:v>
+                </c:pt>
+                <c:pt idx="89">
+                  <c:v>83.79571248423707</c:v>
+                </c:pt>
+                <c:pt idx="90">
+                  <c:v>84.67843631778058</c:v>
+                </c:pt>
+                <c:pt idx="91">
+                  <c:v>84.67843631778058</c:v>
+                </c:pt>
+                <c:pt idx="92">
+                  <c:v>84.67843631778058</c:v>
+                </c:pt>
+                <c:pt idx="93">
+                  <c:v>84.74148802017654</c:v>
+                </c:pt>
+                <c:pt idx="94">
+                  <c:v>84.80453972257251</c:v>
+                </c:pt>
+                <c:pt idx="95">
+                  <c:v>84.86759142496848</c:v>
+                </c:pt>
+                <c:pt idx="96">
+                  <c:v>85.05674653215637</c:v>
+                </c:pt>
+                <c:pt idx="97">
+                  <c:v>85.11979823455233</c:v>
+                </c:pt>
+                <c:pt idx="98">
+                  <c:v>85.11979823455233</c:v>
+                </c:pt>
+                <c:pt idx="99">
+                  <c:v>85.37200504413619</c:v>
+                </c:pt>
+                <c:pt idx="100">
+                  <c:v>85.687263556116</c:v>
+                </c:pt>
+                <c:pt idx="101">
+                  <c:v>86.2547288776797</c:v>
+                </c:pt>
+                <c:pt idx="102">
+                  <c:v>86.50693568726354</c:v>
+                </c:pt>
+                <c:pt idx="103">
+                  <c:v>85.81336696090794</c:v>
+                </c:pt>
+                <c:pt idx="104">
+                  <c:v>86.12862547288776</c:v>
+                </c:pt>
+                <c:pt idx="105">
+                  <c:v>86.12862547288776</c:v>
+                </c:pt>
+                <c:pt idx="106">
+                  <c:v>86.12862547288776</c:v>
+                </c:pt>
+                <c:pt idx="107">
+                  <c:v>86.31778058007566</c:v>
+                </c:pt>
+                <c:pt idx="108">
+                  <c:v>87.51576292559899</c:v>
+                </c:pt>
+                <c:pt idx="109">
+                  <c:v>87.57881462799496</c:v>
+                </c:pt>
+                <c:pt idx="110">
+                  <c:v>87.76796973518284</c:v>
+                </c:pt>
+                <c:pt idx="111">
+                  <c:v>87.76796973518284</c:v>
+                </c:pt>
+                <c:pt idx="112">
+                  <c:v>87.57881462799496</c:v>
+                </c:pt>
+                <c:pt idx="113">
+                  <c:v>87.70491803278688</c:v>
+                </c:pt>
+                <c:pt idx="114">
+                  <c:v>87.83102143757881</c:v>
+                </c:pt>
+                <c:pt idx="115">
+                  <c:v>88.27238335435057</c:v>
+                </c:pt>
+                <c:pt idx="116">
+                  <c:v>88.27238335435057</c:v>
+                </c:pt>
+                <c:pt idx="117">
+                  <c:v>88.3984867591425</c:v>
+                </c:pt>
+                <c:pt idx="118">
+                  <c:v>88.3984867591425</c:v>
+                </c:pt>
+                <c:pt idx="119">
+                  <c:v>88.3984867591425</c:v>
+                </c:pt>
+                <c:pt idx="120">
+                  <c:v>88.33543505674653</c:v>
+                </c:pt>
+                <c:pt idx="121">
+                  <c:v>88.3984867591425</c:v>
+                </c:pt>
+                <c:pt idx="122">
+                  <c:v>88.33543505674653</c:v>
+                </c:pt>
+                <c:pt idx="123">
+                  <c:v>88.33543505674653</c:v>
+                </c:pt>
+                <c:pt idx="124">
+                  <c:v>88.33543505674653</c:v>
+                </c:pt>
+                <c:pt idx="125">
+                  <c:v>88.33543505674653</c:v>
+                </c:pt>
+                <c:pt idx="126">
+                  <c:v>88.33543505674653</c:v>
+                </c:pt>
+                <c:pt idx="127">
+                  <c:v>88.33543505674653</c:v>
+                </c:pt>
+                <c:pt idx="128">
+                  <c:v>88.33543505674653</c:v>
+                </c:pt>
+                <c:pt idx="129">
+                  <c:v>90.47919293820934</c:v>
                 </c:pt>
               </c:numCache>
             </c:numRef>
@@ -970,15 +3544,13 @@
           <c:showPercent val="0"/>
           <c:showBubbleSize val="0"/>
         </c:dLbls>
-        <c:axId val="-2126654952"/>
-        <c:axId val="-2096973976"/>
+        <c:axId val="-2094806504"/>
+        <c:axId val="-2085993656"/>
       </c:scatterChart>
       <c:valAx>
-        <c:axId val="-2126654952"/>
+        <c:axId val="-2094806504"/>
         <c:scaling>
           <c:orientation val="minMax"/>
-          <c:max val="60.0"/>
-          <c:min val="0.0"/>
         </c:scaling>
         <c:delete val="0"/>
         <c:axPos val="b"/>
@@ -989,42 +3561,34 @@
               <a:lstStyle/>
               <a:p>
                 <a:pPr>
-                  <a:defRPr sz="1100">
-                    <a:latin typeface="Verdana"/>
-                    <a:cs typeface="Verdana"/>
+                  <a:defRPr b="0">
+                    <a:latin typeface="Times New Roman"/>
+                    <a:cs typeface="Times New Roman"/>
                   </a:defRPr>
                 </a:pPr>
                 <a:r>
                   <a:rPr lang="en-US" dirty="0" smtClean="0"/>
-                  <a:t># Examples</a:t>
+                  <a:t># Examples Provided</a:t>
                 </a:r>
                 <a:endParaRPr lang="en-US" dirty="0"/>
               </a:p>
             </c:rich>
           </c:tx>
-          <c:layout>
-            <c:manualLayout>
-              <c:xMode val="edge"/>
-              <c:yMode val="edge"/>
-              <c:x val="0.468308453630796"/>
-              <c:y val="0.880555920093322"/>
-            </c:manualLayout>
-          </c:layout>
+          <c:layout/>
           <c:overlay val="0"/>
         </c:title>
         <c:numFmt formatCode="General" sourceLinked="1"/>
         <c:majorTickMark val="out"/>
         <c:minorTickMark val="none"/>
         <c:tickLblPos val="nextTo"/>
-        <c:crossAx val="-2096973976"/>
+        <c:crossAx val="-2085993656"/>
         <c:crosses val="autoZero"/>
         <c:crossBetween val="midCat"/>
       </c:valAx>
       <c:valAx>
-        <c:axId val="-2096973976"/>
+        <c:axId val="-2085993656"/>
         <c:scaling>
           <c:orientation val="minMax"/>
-          <c:max val="80.0"/>
           <c:min val="0.0"/>
         </c:scaling>
         <c:delete val="0"/>
@@ -1033,11 +3597,9 @@
           <c:spPr>
             <a:ln>
               <a:solidFill>
-                <a:schemeClr val="bg1">
-                  <a:lumMod val="75000"/>
-                </a:schemeClr>
+                <a:srgbClr val="BFBFBF"/>
               </a:solidFill>
-              <a:prstDash val="sysDash"/>
+              <a:prstDash val="dot"/>
             </a:ln>
           </c:spPr>
         </c:majorGridlines>
@@ -1048,44 +3610,27 @@
               <a:lstStyle/>
               <a:p>
                 <a:pPr>
-                  <a:defRPr sz="1100">
-                    <a:latin typeface="Verdana"/>
-                    <a:cs typeface="Verdana"/>
+                  <a:defRPr b="0">
+                    <a:latin typeface="Times New Roman"/>
+                    <a:cs typeface="Times New Roman"/>
                   </a:defRPr>
                 </a:pPr>
                 <a:r>
                   <a:rPr lang="en-US" dirty="0" smtClean="0"/>
-                  <a:t>% Sensor names fully qualified</a:t>
+                  <a:t>% Points Fully Classified</a:t>
                 </a:r>
                 <a:endParaRPr lang="en-US" dirty="0"/>
               </a:p>
             </c:rich>
           </c:tx>
-          <c:layout>
-            <c:manualLayout>
-              <c:xMode val="edge"/>
-              <c:yMode val="edge"/>
-              <c:x val="0.0277777777777778"/>
-              <c:y val="0.154629265091864"/>
-            </c:manualLayout>
-          </c:layout>
+          <c:layout/>
           <c:overlay val="0"/>
         </c:title>
         <c:numFmt formatCode="General" sourceLinked="1"/>
         <c:majorTickMark val="out"/>
         <c:minorTickMark val="none"/>
         <c:tickLblPos val="nextTo"/>
-        <c:txPr>
-          <a:bodyPr/>
-          <a:lstStyle/>
-          <a:p>
-            <a:pPr>
-              <a:defRPr sz="1000"/>
-            </a:pPr>
-            <a:endParaRPr lang="en-US"/>
-          </a:p>
-        </c:txPr>
-        <c:crossAx val="-2126654952"/>
+        <c:crossAx val="-2094806504"/>
         <c:crosses val="autoZero"/>
         <c:crossBetween val="midCat"/>
         <c:majorUnit val="20.0"/>
@@ -1097,26 +3642,13 @@
         <c:manualLayout>
           <c:xMode val="edge"/>
           <c:yMode val="edge"/>
-          <c:x val="0.148712270341207"/>
-          <c:y val="0.0328047535724701"/>
-          <c:w val="0.75406550743657"/>
-          <c:h val="0.0964275298920968"/>
+          <c:x val="0.126183562992126"/>
+          <c:y val="0.00386191309419656"/>
+          <c:w val="0.787010881452318"/>
+          <c:h val="0.172831729367162"/>
         </c:manualLayout>
       </c:layout>
       <c:overlay val="0"/>
-      <c:txPr>
-        <a:bodyPr/>
-        <a:lstStyle/>
-        <a:p>
-          <a:pPr>
-            <a:defRPr sz="800">
-              <a:latin typeface="Verdana"/>
-              <a:cs typeface="Verdana"/>
-            </a:defRPr>
-          </a:pPr>
-          <a:endParaRPr lang="en-US"/>
-        </a:p>
-      </c:txPr>
     </c:legend>
     <c:plotVisOnly val="1"/>
     <c:dispBlanksAs val="gap"/>
@@ -4123,14 +6655,14 @@
       </p:grpSpPr>
       <p:graphicFrame>
         <p:nvGraphicFramePr>
-          <p:cNvPr id="4" name="Chart 3"/>
+          <p:cNvPr id="5" name="Chart 4"/>
           <p:cNvGraphicFramePr>
             <a:graphicFrameLocks/>
           </p:cNvGraphicFramePr>
           <p:nvPr>
             <p:extLst>
               <p:ext uri="{D42A27DB-BD31-4B8C-83A1-F6EECF244321}">
-                <p14:modId xmlns:p14="http://schemas.microsoft.com/office/powerpoint/2010/main" val="1446624790"/>
+                <p14:modId xmlns:p14="http://schemas.microsoft.com/office/powerpoint/2010/main" val="3393585496"/>
               </p:ext>
             </p:extLst>
           </p:nvPr>
